--- a/Manuscript/Images/Images.pptx
+++ b/Manuscript/Images/Images.pptx
@@ -7,7 +7,13 @@
   <p:sldIdLst>
     <p:sldId id="256" r:id="rId2"/>
     <p:sldId id="257" r:id="rId3"/>
-    <p:sldId id="258" r:id="rId4"/>
+    <p:sldId id="259" r:id="rId4"/>
+    <p:sldId id="260" r:id="rId5"/>
+    <p:sldId id="261" r:id="rId6"/>
+    <p:sldId id="262" r:id="rId7"/>
+    <p:sldId id="263" r:id="rId8"/>
+    <p:sldId id="264" r:id="rId9"/>
+    <p:sldId id="265" r:id="rId10"/>
   </p:sldIdLst>
   <p:sldSz cx="9144000" cy="12801600"/>
   <p:notesSz cx="6858000" cy="9144000"/>
@@ -2913,63 +2919,168 @@
           <a:chExt cx="0" cy="0"/>
         </a:xfrm>
       </p:grpSpPr>
-      <p:graphicFrame>
-        <p:nvGraphicFramePr>
-          <p:cNvPr id="9" name="Object 8"/>
-          <p:cNvGraphicFramePr>
-            <a:graphicFrameLocks noChangeAspect="1"/>
-          </p:cNvGraphicFramePr>
-          <p:nvPr>
-            <p:extLst>
-              <p:ext uri="{D42A27DB-BD31-4B8C-83A1-F6EECF244321}">
-                <p14:modId xmlns:p14="http://schemas.microsoft.com/office/powerpoint/2010/main" val="1050278361"/>
-              </p:ext>
-            </p:extLst>
-          </p:nvPr>
-        </p:nvGraphicFramePr>
-        <p:xfrm>
-          <a:off x="1847850" y="1771650"/>
-          <a:ext cx="5429250" cy="4113068"/>
-        </p:xfrm>
-        <a:graphic>
-          <a:graphicData uri="http://schemas.openxmlformats.org/presentationml/2006/ole">
-            <mc:AlternateContent xmlns:mc="http://schemas.openxmlformats.org/markup-compatibility/2006">
-              <mc:Choice xmlns:v="urn:schemas-microsoft-com:vml" Requires="v">
-                <p:oleObj spid="_x0000_s1027" name="Worksheet" r:id="rId3" imgW="3771900" imgH="2857500" progId="Excel.Sheet.12">
-                  <p:embed/>
-                </p:oleObj>
-              </mc:Choice>
-              <mc:Fallback>
-                <p:oleObj name="Worksheet" r:id="rId3" imgW="3771900" imgH="2857500" progId="Excel.Sheet.12">
-                  <p:embed/>
-                  <p:pic>
-                    <p:nvPicPr>
-                      <p:cNvPr id="0" name=""/>
-                      <p:cNvPicPr/>
-                      <p:nvPr/>
-                    </p:nvPicPr>
-                    <p:blipFill>
-                      <a:blip r:embed="rId4"/>
-                      <a:stretch>
-                        <a:fillRect/>
-                      </a:stretch>
-                    </p:blipFill>
-                    <p:spPr>
-                      <a:xfrm>
-                        <a:off x="1847850" y="1771650"/>
-                        <a:ext cx="5429250" cy="4113068"/>
-                      </a:xfrm>
-                      <a:prstGeom prst="rect">
-                        <a:avLst/>
-                      </a:prstGeom>
-                    </p:spPr>
-                  </p:pic>
-                </p:oleObj>
-              </mc:Fallback>
-            </mc:AlternateContent>
-          </a:graphicData>
-        </a:graphic>
-      </p:graphicFrame>
+      <p:grpSp>
+        <p:nvGrpSpPr>
+          <p:cNvPr id="13" name="Group 12"/>
+          <p:cNvGrpSpPr/>
+          <p:nvPr/>
+        </p:nvGrpSpPr>
+        <p:grpSpPr>
+          <a:xfrm>
+            <a:off x="1444752" y="1737360"/>
+            <a:ext cx="5832348" cy="4147358"/>
+            <a:chOff x="1444752" y="1737360"/>
+            <a:chExt cx="5832348" cy="4147358"/>
+          </a:xfrm>
+        </p:grpSpPr>
+        <p:graphicFrame>
+          <p:nvGraphicFramePr>
+            <p:cNvPr id="9" name="Object 8"/>
+            <p:cNvGraphicFramePr>
+              <a:graphicFrameLocks noChangeAspect="1"/>
+            </p:cNvGraphicFramePr>
+            <p:nvPr>
+              <p:extLst>
+                <p:ext uri="{D42A27DB-BD31-4B8C-83A1-F6EECF244321}">
+                  <p14:modId xmlns:p14="http://schemas.microsoft.com/office/powerpoint/2010/main" val="1279267300"/>
+                </p:ext>
+              </p:extLst>
+            </p:nvPr>
+          </p:nvGraphicFramePr>
+          <p:xfrm>
+            <a:off x="1847850" y="1771650"/>
+            <a:ext cx="5429250" cy="4113068"/>
+          </p:xfrm>
+          <a:graphic>
+            <a:graphicData uri="http://schemas.openxmlformats.org/presentationml/2006/ole">
+              <mc:AlternateContent xmlns:mc="http://schemas.openxmlformats.org/markup-compatibility/2006">
+                <mc:Choice xmlns:v="urn:schemas-microsoft-com:vml" Requires="v">
+                  <p:oleObj spid="_x0000_s1031" name="Worksheet" r:id="rId3" imgW="3771900" imgH="2857500" progId="Excel.Sheet.12">
+                    <p:embed/>
+                  </p:oleObj>
+                </mc:Choice>
+                <mc:Fallback>
+                  <p:oleObj name="Worksheet" r:id="rId3" imgW="3771900" imgH="2857500" progId="Excel.Sheet.12">
+                    <p:embed/>
+                    <p:pic>
+                      <p:nvPicPr>
+                        <p:cNvPr id="0" name=""/>
+                        <p:cNvPicPr/>
+                        <p:nvPr/>
+                      </p:nvPicPr>
+                      <p:blipFill>
+                        <a:blip r:embed="rId4"/>
+                        <a:stretch>
+                          <a:fillRect/>
+                        </a:stretch>
+                      </p:blipFill>
+                      <p:spPr>
+                        <a:xfrm>
+                          <a:off x="1847850" y="1771650"/>
+                          <a:ext cx="5429250" cy="4113068"/>
+                        </a:xfrm>
+                        <a:prstGeom prst="rect">
+                          <a:avLst/>
+                        </a:prstGeom>
+                      </p:spPr>
+                    </p:pic>
+                  </p:oleObj>
+                </mc:Fallback>
+              </mc:AlternateContent>
+            </a:graphicData>
+          </a:graphic>
+        </p:graphicFrame>
+        <p:sp>
+          <p:nvSpPr>
+            <p:cNvPr id="10" name="TextBox 9"/>
+            <p:cNvSpPr txBox="1"/>
+            <p:nvPr/>
+          </p:nvSpPr>
+          <p:spPr>
+            <a:xfrm>
+              <a:off x="1444752" y="1737360"/>
+              <a:ext cx="324128" cy="369332"/>
+            </a:xfrm>
+            <a:prstGeom prst="rect">
+              <a:avLst/>
+            </a:prstGeom>
+            <a:noFill/>
+          </p:spPr>
+          <p:txBody>
+            <a:bodyPr wrap="none" rtlCol="0">
+              <a:spAutoFit/>
+            </a:bodyPr>
+            <a:lstStyle/>
+            <a:p>
+              <a:r>
+                <a:rPr lang="en-US" b="1" dirty="0" smtClean="0"/>
+                <a:t>A</a:t>
+              </a:r>
+              <a:endParaRPr lang="en-US" b="1" dirty="0"/>
+            </a:p>
+          </p:txBody>
+        </p:sp>
+        <p:sp>
+          <p:nvSpPr>
+            <p:cNvPr id="11" name="TextBox 10"/>
+            <p:cNvSpPr txBox="1"/>
+            <p:nvPr/>
+          </p:nvSpPr>
+          <p:spPr>
+            <a:xfrm>
+              <a:off x="1444752" y="3219797"/>
+              <a:ext cx="314510" cy="369332"/>
+            </a:xfrm>
+            <a:prstGeom prst="rect">
+              <a:avLst/>
+            </a:prstGeom>
+            <a:noFill/>
+          </p:spPr>
+          <p:txBody>
+            <a:bodyPr wrap="none" rtlCol="0">
+              <a:spAutoFit/>
+            </a:bodyPr>
+            <a:lstStyle/>
+            <a:p>
+              <a:r>
+                <a:rPr lang="en-US" b="1" dirty="0"/>
+                <a:t>B</a:t>
+              </a:r>
+              <a:endParaRPr lang="en-US" b="1" dirty="0"/>
+            </a:p>
+          </p:txBody>
+        </p:sp>
+        <p:sp>
+          <p:nvSpPr>
+            <p:cNvPr id="12" name="TextBox 11"/>
+            <p:cNvSpPr txBox="1"/>
+            <p:nvPr/>
+          </p:nvSpPr>
+          <p:spPr>
+            <a:xfrm>
+              <a:off x="1444752" y="4702234"/>
+              <a:ext cx="306494" cy="369332"/>
+            </a:xfrm>
+            <a:prstGeom prst="rect">
+              <a:avLst/>
+            </a:prstGeom>
+            <a:noFill/>
+          </p:spPr>
+          <p:txBody>
+            <a:bodyPr wrap="none" rtlCol="0">
+              <a:spAutoFit/>
+            </a:bodyPr>
+            <a:lstStyle/>
+            <a:p>
+              <a:r>
+                <a:rPr lang="en-US" b="1" dirty="0" smtClean="0"/>
+                <a:t>C</a:t>
+              </a:r>
+              <a:endParaRPr lang="en-US" b="1" dirty="0"/>
+            </a:p>
+          </p:txBody>
+        </p:sp>
+      </p:grpSp>
     </p:spTree>
     <p:extLst>
       <p:ext uri="{BB962C8B-B14F-4D97-AF65-F5344CB8AC3E}">
@@ -3007,63 +3118,258 @@
           <a:chExt cx="0" cy="0"/>
         </a:xfrm>
       </p:grpSpPr>
-      <p:graphicFrame>
-        <p:nvGraphicFramePr>
-          <p:cNvPr id="8" name="Object 7"/>
-          <p:cNvGraphicFramePr>
-            <a:graphicFrameLocks noChangeAspect="1"/>
-          </p:cNvGraphicFramePr>
-          <p:nvPr>
-            <p:extLst>
-              <p:ext uri="{D42A27DB-BD31-4B8C-83A1-F6EECF244321}">
-                <p14:modId xmlns:p14="http://schemas.microsoft.com/office/powerpoint/2010/main" val="1621925398"/>
-              </p:ext>
-            </p:extLst>
-          </p:nvPr>
-        </p:nvGraphicFramePr>
-        <p:xfrm>
-          <a:off x="1828800" y="1866899"/>
-          <a:ext cx="5429250" cy="8500341"/>
-        </p:xfrm>
-        <a:graphic>
-          <a:graphicData uri="http://schemas.openxmlformats.org/presentationml/2006/ole">
-            <mc:AlternateContent xmlns:mc="http://schemas.openxmlformats.org/markup-compatibility/2006">
-              <mc:Choice xmlns:v="urn:schemas-microsoft-com:vml" Requires="v">
-                <p:oleObj spid="_x0000_s2051" name="Worksheet" r:id="rId3" imgW="3771900" imgH="5905500" progId="Excel.Sheet.12">
-                  <p:embed/>
-                </p:oleObj>
-              </mc:Choice>
-              <mc:Fallback>
-                <p:oleObj name="Worksheet" r:id="rId3" imgW="3771900" imgH="5905500" progId="Excel.Sheet.12">
-                  <p:embed/>
-                  <p:pic>
-                    <p:nvPicPr>
-                      <p:cNvPr id="0" name=""/>
-                      <p:cNvPicPr/>
-                      <p:nvPr/>
-                    </p:nvPicPr>
-                    <p:blipFill>
-                      <a:blip r:embed="rId4"/>
-                      <a:stretch>
-                        <a:fillRect/>
-                      </a:stretch>
-                    </p:blipFill>
-                    <p:spPr>
-                      <a:xfrm>
-                        <a:off x="1828800" y="1866899"/>
-                        <a:ext cx="5429250" cy="8500341"/>
-                      </a:xfrm>
-                      <a:prstGeom prst="rect">
-                        <a:avLst/>
-                      </a:prstGeom>
-                    </p:spPr>
-                  </p:pic>
-                </p:oleObj>
-              </mc:Fallback>
-            </mc:AlternateContent>
-          </a:graphicData>
-        </a:graphic>
-      </p:graphicFrame>
+      <p:grpSp>
+        <p:nvGrpSpPr>
+          <p:cNvPr id="16" name="Group 15"/>
+          <p:cNvGrpSpPr/>
+          <p:nvPr/>
+        </p:nvGrpSpPr>
+        <p:grpSpPr>
+          <a:xfrm>
+            <a:off x="1399032" y="1863434"/>
+            <a:ext cx="5859018" cy="8503806"/>
+            <a:chOff x="1399032" y="1863434"/>
+            <a:chExt cx="5859018" cy="8503806"/>
+          </a:xfrm>
+        </p:grpSpPr>
+        <p:graphicFrame>
+          <p:nvGraphicFramePr>
+            <p:cNvPr id="8" name="Object 7"/>
+            <p:cNvGraphicFramePr>
+              <a:graphicFrameLocks noChangeAspect="1"/>
+            </p:cNvGraphicFramePr>
+            <p:nvPr>
+              <p:extLst>
+                <p:ext uri="{D42A27DB-BD31-4B8C-83A1-F6EECF244321}">
+                  <p14:modId xmlns:p14="http://schemas.microsoft.com/office/powerpoint/2010/main" val="1900009642"/>
+                </p:ext>
+              </p:extLst>
+            </p:nvPr>
+          </p:nvGraphicFramePr>
+          <p:xfrm>
+            <a:off x="1828800" y="1866899"/>
+            <a:ext cx="5429250" cy="8500341"/>
+          </p:xfrm>
+          <a:graphic>
+            <a:graphicData uri="http://schemas.openxmlformats.org/presentationml/2006/ole">
+              <mc:AlternateContent xmlns:mc="http://schemas.openxmlformats.org/markup-compatibility/2006">
+                <mc:Choice xmlns:v="urn:schemas-microsoft-com:vml" Requires="v">
+                  <p:oleObj spid="_x0000_s2054" name="Worksheet" r:id="rId3" imgW="3771900" imgH="5905500" progId="Excel.Sheet.12">
+                    <p:embed/>
+                  </p:oleObj>
+                </mc:Choice>
+                <mc:Fallback>
+                  <p:oleObj name="Worksheet" r:id="rId3" imgW="3771900" imgH="5905500" progId="Excel.Sheet.12">
+                    <p:embed/>
+                    <p:pic>
+                      <p:nvPicPr>
+                        <p:cNvPr id="0" name=""/>
+                        <p:cNvPicPr/>
+                        <p:nvPr/>
+                      </p:nvPicPr>
+                      <p:blipFill>
+                        <a:blip r:embed="rId4"/>
+                        <a:stretch>
+                          <a:fillRect/>
+                        </a:stretch>
+                      </p:blipFill>
+                      <p:spPr>
+                        <a:xfrm>
+                          <a:off x="1828800" y="1866899"/>
+                          <a:ext cx="5429250" cy="8500341"/>
+                        </a:xfrm>
+                        <a:prstGeom prst="rect">
+                          <a:avLst/>
+                        </a:prstGeom>
+                      </p:spPr>
+                    </p:pic>
+                  </p:oleObj>
+                </mc:Fallback>
+              </mc:AlternateContent>
+            </a:graphicData>
+          </a:graphic>
+        </p:graphicFrame>
+        <p:sp>
+          <p:nvSpPr>
+            <p:cNvPr id="10" name="TextBox 9"/>
+            <p:cNvSpPr txBox="1"/>
+            <p:nvPr/>
+          </p:nvSpPr>
+          <p:spPr>
+            <a:xfrm>
+              <a:off x="1402878" y="1863434"/>
+              <a:ext cx="324128" cy="369332"/>
+            </a:xfrm>
+            <a:prstGeom prst="rect">
+              <a:avLst/>
+            </a:prstGeom>
+            <a:noFill/>
+          </p:spPr>
+          <p:txBody>
+            <a:bodyPr wrap="none" rtlCol="0">
+              <a:spAutoFit/>
+            </a:bodyPr>
+            <a:lstStyle/>
+            <a:p>
+              <a:r>
+                <a:rPr lang="en-US" b="1" dirty="0" smtClean="0"/>
+                <a:t>A</a:t>
+              </a:r>
+              <a:endParaRPr lang="en-US" b="1" dirty="0"/>
+            </a:p>
+          </p:txBody>
+        </p:sp>
+        <p:sp>
+          <p:nvSpPr>
+            <p:cNvPr id="11" name="TextBox 10"/>
+            <p:cNvSpPr txBox="1"/>
+            <p:nvPr/>
+          </p:nvSpPr>
+          <p:spPr>
+            <a:xfrm>
+              <a:off x="1403189" y="3293917"/>
+              <a:ext cx="314510" cy="369332"/>
+            </a:xfrm>
+            <a:prstGeom prst="rect">
+              <a:avLst/>
+            </a:prstGeom>
+            <a:noFill/>
+          </p:spPr>
+          <p:txBody>
+            <a:bodyPr wrap="none" rtlCol="0">
+              <a:spAutoFit/>
+            </a:bodyPr>
+            <a:lstStyle/>
+            <a:p>
+              <a:r>
+                <a:rPr lang="en-US" b="1" dirty="0"/>
+                <a:t>B</a:t>
+              </a:r>
+              <a:endParaRPr lang="en-US" b="1" dirty="0"/>
+            </a:p>
+          </p:txBody>
+        </p:sp>
+        <p:sp>
+          <p:nvSpPr>
+            <p:cNvPr id="12" name="TextBox 11"/>
+            <p:cNvSpPr txBox="1"/>
+            <p:nvPr/>
+          </p:nvSpPr>
+          <p:spPr>
+            <a:xfrm>
+              <a:off x="1399032" y="4764024"/>
+              <a:ext cx="306494" cy="369332"/>
+            </a:xfrm>
+            <a:prstGeom prst="rect">
+              <a:avLst/>
+            </a:prstGeom>
+            <a:noFill/>
+          </p:spPr>
+          <p:txBody>
+            <a:bodyPr wrap="none" rtlCol="0">
+              <a:spAutoFit/>
+            </a:bodyPr>
+            <a:lstStyle/>
+            <a:p>
+              <a:r>
+                <a:rPr lang="en-US" b="1" dirty="0"/>
+                <a:t>C</a:t>
+              </a:r>
+              <a:endParaRPr lang="en-US" b="1" dirty="0"/>
+            </a:p>
+          </p:txBody>
+        </p:sp>
+        <p:sp>
+          <p:nvSpPr>
+            <p:cNvPr id="13" name="TextBox 12"/>
+            <p:cNvSpPr txBox="1"/>
+            <p:nvPr/>
+          </p:nvSpPr>
+          <p:spPr>
+            <a:xfrm>
+              <a:off x="1399032" y="6224833"/>
+              <a:ext cx="330540" cy="369332"/>
+            </a:xfrm>
+            <a:prstGeom prst="rect">
+              <a:avLst/>
+            </a:prstGeom>
+            <a:noFill/>
+          </p:spPr>
+          <p:txBody>
+            <a:bodyPr wrap="none" rtlCol="0">
+              <a:spAutoFit/>
+            </a:bodyPr>
+            <a:lstStyle/>
+            <a:p>
+              <a:r>
+                <a:rPr lang="en-US" b="1" dirty="0" smtClean="0"/>
+                <a:t>D</a:t>
+              </a:r>
+              <a:endParaRPr lang="en-US" b="1" dirty="0"/>
+            </a:p>
+          </p:txBody>
+        </p:sp>
+        <p:sp>
+          <p:nvSpPr>
+            <p:cNvPr id="14" name="TextBox 13"/>
+            <p:cNvSpPr txBox="1"/>
+            <p:nvPr/>
+          </p:nvSpPr>
+          <p:spPr>
+            <a:xfrm>
+              <a:off x="1403821" y="7703639"/>
+              <a:ext cx="296876" cy="369332"/>
+            </a:xfrm>
+            <a:prstGeom prst="rect">
+              <a:avLst/>
+            </a:prstGeom>
+            <a:noFill/>
+          </p:spPr>
+          <p:txBody>
+            <a:bodyPr wrap="none" rtlCol="0">
+              <a:spAutoFit/>
+            </a:bodyPr>
+            <a:lstStyle/>
+            <a:p>
+              <a:r>
+                <a:rPr lang="en-US" b="1" dirty="0"/>
+                <a:t>E</a:t>
+              </a:r>
+              <a:endParaRPr lang="en-US" b="1" dirty="0"/>
+            </a:p>
+          </p:txBody>
+        </p:sp>
+        <p:sp>
+          <p:nvSpPr>
+            <p:cNvPr id="15" name="TextBox 14"/>
+            <p:cNvSpPr txBox="1"/>
+            <p:nvPr/>
+          </p:nvSpPr>
+          <p:spPr>
+            <a:xfrm>
+              <a:off x="1399898" y="9182445"/>
+              <a:ext cx="290464" cy="369332"/>
+            </a:xfrm>
+            <a:prstGeom prst="rect">
+              <a:avLst/>
+            </a:prstGeom>
+            <a:noFill/>
+          </p:spPr>
+          <p:txBody>
+            <a:bodyPr wrap="none" rtlCol="0">
+              <a:spAutoFit/>
+            </a:bodyPr>
+            <a:lstStyle/>
+            <a:p>
+              <a:r>
+                <a:rPr lang="en-US" b="1" dirty="0"/>
+                <a:t>F</a:t>
+              </a:r>
+              <a:endParaRPr lang="en-US" b="1" dirty="0"/>
+            </a:p>
+          </p:txBody>
+        </p:sp>
+      </p:grpSp>
     </p:spTree>
     <p:extLst>
       <p:ext uri="{BB962C8B-B14F-4D97-AF65-F5344CB8AC3E}">
@@ -3103,7 +3409,7 @@
       </p:grpSpPr>
       <p:pic>
         <p:nvPicPr>
-          <p:cNvPr id="8" name="Picture 7"/>
+          <p:cNvPr id="5" name="Picture 4"/>
           <p:cNvPicPr>
             <a:picLocks noChangeAspect="1"/>
           </p:cNvPicPr>
@@ -3128,7 +3434,676 @@
     </p:spTree>
     <p:extLst>
       <p:ext uri="{BB962C8B-B14F-4D97-AF65-F5344CB8AC3E}">
-        <p14:creationId xmlns:p14="http://schemas.microsoft.com/office/powerpoint/2010/main" val="1595872598"/>
+        <p14:creationId xmlns:p14="http://schemas.microsoft.com/office/powerpoint/2010/main" val="1469039410"/>
+      </p:ext>
+    </p:extLst>
+  </p:cSld>
+  <p:clrMapOvr>
+    <a:masterClrMapping/>
+  </p:clrMapOvr>
+  <p:timing>
+    <p:tnLst>
+      <p:par>
+        <p:cTn id="1" dur="indefinite" restart="never" nodeType="tmRoot"/>
+      </p:par>
+    </p:tnLst>
+  </p:timing>
+</p:sld>
+</file>
+
+<file path=ppt/slides/slide4.xml><?xml version="1.0" encoding="utf-8"?>
+<p:sld xmlns:a="http://schemas.openxmlformats.org/drawingml/2006/main" xmlns:r="http://schemas.openxmlformats.org/officeDocument/2006/relationships" xmlns:p="http://schemas.openxmlformats.org/presentationml/2006/main">
+  <p:cSld>
+    <p:spTree>
+      <p:nvGrpSpPr>
+        <p:cNvPr id="1" name=""/>
+        <p:cNvGrpSpPr/>
+        <p:nvPr/>
+      </p:nvGrpSpPr>
+      <p:grpSpPr>
+        <a:xfrm>
+          <a:off x="0" y="0"/>
+          <a:ext cx="0" cy="0"/>
+          <a:chOff x="0" y="0"/>
+          <a:chExt cx="0" cy="0"/>
+        </a:xfrm>
+      </p:grpSpPr>
+      <p:pic>
+        <p:nvPicPr>
+          <p:cNvPr id="4" name="Picture 3"/>
+          <p:cNvPicPr>
+            <a:picLocks noChangeAspect="1"/>
+          </p:cNvPicPr>
+          <p:nvPr/>
+        </p:nvPicPr>
+        <p:blipFill>
+          <a:blip r:embed="rId2"/>
+          <a:stretch>
+            <a:fillRect/>
+          </a:stretch>
+        </p:blipFill>
+        <p:spPr>
+          <a:xfrm>
+            <a:off x="0" y="4226169"/>
+            <a:ext cx="9144000" cy="4349262"/>
+          </a:xfrm>
+          <a:prstGeom prst="rect">
+            <a:avLst/>
+          </a:prstGeom>
+        </p:spPr>
+      </p:pic>
+    </p:spTree>
+    <p:extLst>
+      <p:ext uri="{BB962C8B-B14F-4D97-AF65-F5344CB8AC3E}">
+        <p14:creationId xmlns:p14="http://schemas.microsoft.com/office/powerpoint/2010/main" val="531298475"/>
+      </p:ext>
+    </p:extLst>
+  </p:cSld>
+  <p:clrMapOvr>
+    <a:masterClrMapping/>
+  </p:clrMapOvr>
+  <p:timing>
+    <p:tnLst>
+      <p:par>
+        <p:cTn id="1" dur="indefinite" restart="never" nodeType="tmRoot"/>
+      </p:par>
+    </p:tnLst>
+  </p:timing>
+</p:sld>
+</file>
+
+<file path=ppt/slides/slide5.xml><?xml version="1.0" encoding="utf-8"?>
+<p:sld xmlns:a="http://schemas.openxmlformats.org/drawingml/2006/main" xmlns:r="http://schemas.openxmlformats.org/officeDocument/2006/relationships" xmlns:p="http://schemas.openxmlformats.org/presentationml/2006/main">
+  <p:cSld>
+    <p:spTree>
+      <p:nvGrpSpPr>
+        <p:cNvPr id="1" name=""/>
+        <p:cNvGrpSpPr/>
+        <p:nvPr/>
+      </p:nvGrpSpPr>
+      <p:grpSpPr>
+        <a:xfrm>
+          <a:off x="0" y="0"/>
+          <a:ext cx="0" cy="0"/>
+          <a:chOff x="0" y="0"/>
+          <a:chExt cx="0" cy="0"/>
+        </a:xfrm>
+      </p:grpSpPr>
+      <p:pic>
+        <p:nvPicPr>
+          <p:cNvPr id="6" name="Picture 5"/>
+          <p:cNvPicPr>
+            <a:picLocks noChangeAspect="1"/>
+          </p:cNvPicPr>
+          <p:nvPr/>
+        </p:nvPicPr>
+        <p:blipFill>
+          <a:blip r:embed="rId2"/>
+          <a:stretch>
+            <a:fillRect/>
+          </a:stretch>
+        </p:blipFill>
+        <p:spPr>
+          <a:xfrm>
+            <a:off x="0" y="3621741"/>
+            <a:ext cx="9144000" cy="5558118"/>
+          </a:xfrm>
+          <a:prstGeom prst="rect">
+            <a:avLst/>
+          </a:prstGeom>
+        </p:spPr>
+      </p:pic>
+    </p:spTree>
+    <p:extLst>
+      <p:ext uri="{BB962C8B-B14F-4D97-AF65-F5344CB8AC3E}">
+        <p14:creationId xmlns:p14="http://schemas.microsoft.com/office/powerpoint/2010/main" val="365421830"/>
+      </p:ext>
+    </p:extLst>
+  </p:cSld>
+  <p:clrMapOvr>
+    <a:masterClrMapping/>
+  </p:clrMapOvr>
+  <p:timing>
+    <p:tnLst>
+      <p:par>
+        <p:cTn id="1" dur="indefinite" restart="never" nodeType="tmRoot"/>
+      </p:par>
+    </p:tnLst>
+  </p:timing>
+</p:sld>
+</file>
+
+<file path=ppt/slides/slide6.xml><?xml version="1.0" encoding="utf-8"?>
+<p:sld xmlns:a="http://schemas.openxmlformats.org/drawingml/2006/main" xmlns:r="http://schemas.openxmlformats.org/officeDocument/2006/relationships" xmlns:p="http://schemas.openxmlformats.org/presentationml/2006/main">
+  <p:cSld>
+    <p:spTree>
+      <p:nvGrpSpPr>
+        <p:cNvPr id="1" name=""/>
+        <p:cNvGrpSpPr/>
+        <p:nvPr/>
+      </p:nvGrpSpPr>
+      <p:grpSpPr>
+        <a:xfrm>
+          <a:off x="0" y="0"/>
+          <a:ext cx="0" cy="0"/>
+          <a:chOff x="0" y="0"/>
+          <a:chExt cx="0" cy="0"/>
+        </a:xfrm>
+      </p:grpSpPr>
+      <p:pic>
+        <p:nvPicPr>
+          <p:cNvPr id="6" name="Picture 5"/>
+          <p:cNvPicPr>
+            <a:picLocks noChangeAspect="1"/>
+          </p:cNvPicPr>
+          <p:nvPr/>
+        </p:nvPicPr>
+        <p:blipFill>
+          <a:blip r:embed="rId2"/>
+          <a:stretch>
+            <a:fillRect/>
+          </a:stretch>
+        </p:blipFill>
+        <p:spPr>
+          <a:xfrm>
+            <a:off x="0" y="5795774"/>
+            <a:ext cx="9144000" cy="1210052"/>
+          </a:xfrm>
+          <a:prstGeom prst="rect">
+            <a:avLst/>
+          </a:prstGeom>
+        </p:spPr>
+      </p:pic>
+    </p:spTree>
+    <p:extLst>
+      <p:ext uri="{BB962C8B-B14F-4D97-AF65-F5344CB8AC3E}">
+        <p14:creationId xmlns:p14="http://schemas.microsoft.com/office/powerpoint/2010/main" val="1101149154"/>
+      </p:ext>
+    </p:extLst>
+  </p:cSld>
+  <p:clrMapOvr>
+    <a:masterClrMapping/>
+  </p:clrMapOvr>
+  <p:timing>
+    <p:tnLst>
+      <p:par>
+        <p:cTn id="1" dur="indefinite" restart="never" nodeType="tmRoot"/>
+      </p:par>
+    </p:tnLst>
+  </p:timing>
+</p:sld>
+</file>
+
+<file path=ppt/slides/slide7.xml><?xml version="1.0" encoding="utf-8"?>
+<p:sld xmlns:a="http://schemas.openxmlformats.org/drawingml/2006/main" xmlns:r="http://schemas.openxmlformats.org/officeDocument/2006/relationships" xmlns:p="http://schemas.openxmlformats.org/presentationml/2006/main">
+  <p:cSld>
+    <p:spTree>
+      <p:nvGrpSpPr>
+        <p:cNvPr id="1" name=""/>
+        <p:cNvGrpSpPr/>
+        <p:nvPr/>
+      </p:nvGrpSpPr>
+      <p:grpSpPr>
+        <a:xfrm>
+          <a:off x="0" y="0"/>
+          <a:ext cx="0" cy="0"/>
+          <a:chOff x="0" y="0"/>
+          <a:chExt cx="0" cy="0"/>
+        </a:xfrm>
+      </p:grpSpPr>
+      <p:pic>
+        <p:nvPicPr>
+          <p:cNvPr id="5" name="Picture 4"/>
+          <p:cNvPicPr>
+            <a:picLocks noChangeAspect="1"/>
+          </p:cNvPicPr>
+          <p:nvPr/>
+        </p:nvPicPr>
+        <p:blipFill>
+          <a:blip r:embed="rId2"/>
+          <a:stretch>
+            <a:fillRect/>
+          </a:stretch>
+        </p:blipFill>
+        <p:spPr>
+          <a:xfrm>
+            <a:off x="0" y="6098468"/>
+            <a:ext cx="9144000" cy="604664"/>
+          </a:xfrm>
+          <a:prstGeom prst="rect">
+            <a:avLst/>
+          </a:prstGeom>
+        </p:spPr>
+      </p:pic>
+    </p:spTree>
+    <p:extLst>
+      <p:ext uri="{BB962C8B-B14F-4D97-AF65-F5344CB8AC3E}">
+        <p14:creationId xmlns:p14="http://schemas.microsoft.com/office/powerpoint/2010/main" val="1293270828"/>
+      </p:ext>
+    </p:extLst>
+  </p:cSld>
+  <p:clrMapOvr>
+    <a:masterClrMapping/>
+  </p:clrMapOvr>
+  <p:timing>
+    <p:tnLst>
+      <p:par>
+        <p:cTn id="1" dur="indefinite" restart="never" nodeType="tmRoot"/>
+      </p:par>
+    </p:tnLst>
+  </p:timing>
+</p:sld>
+</file>
+
+<file path=ppt/slides/slide8.xml><?xml version="1.0" encoding="utf-8"?>
+<p:sld xmlns:a="http://schemas.openxmlformats.org/drawingml/2006/main" xmlns:r="http://schemas.openxmlformats.org/officeDocument/2006/relationships" xmlns:p="http://schemas.openxmlformats.org/presentationml/2006/main">
+  <p:cSld>
+    <p:spTree>
+      <p:nvGrpSpPr>
+        <p:cNvPr id="1" name=""/>
+        <p:cNvGrpSpPr/>
+        <p:nvPr/>
+      </p:nvGrpSpPr>
+      <p:grpSpPr>
+        <a:xfrm>
+          <a:off x="0" y="0"/>
+          <a:ext cx="0" cy="0"/>
+          <a:chOff x="0" y="0"/>
+          <a:chExt cx="0" cy="0"/>
+        </a:xfrm>
+      </p:grpSpPr>
+      <p:grpSp>
+        <p:nvGrpSpPr>
+          <p:cNvPr id="10" name="Group 9"/>
+          <p:cNvGrpSpPr/>
+          <p:nvPr/>
+        </p:nvGrpSpPr>
+        <p:grpSpPr>
+          <a:xfrm>
+            <a:off x="104838" y="1981585"/>
+            <a:ext cx="8562232" cy="4791509"/>
+            <a:chOff x="104838" y="1981585"/>
+            <a:chExt cx="8562232" cy="4791509"/>
+          </a:xfrm>
+        </p:grpSpPr>
+        <p:pic>
+          <p:nvPicPr>
+            <p:cNvPr id="4" name="Picture 3"/>
+            <p:cNvPicPr>
+              <a:picLocks noChangeAspect="1"/>
+            </p:cNvPicPr>
+            <p:nvPr/>
+          </p:nvPicPr>
+          <p:blipFill rotWithShape="1">
+            <a:blip r:embed="rId2">
+              <a:extLst>
+                <a:ext uri="{28A0092B-C50C-407E-A947-70E740481C1C}">
+                  <a14:useLocalDpi xmlns:a14="http://schemas.microsoft.com/office/drawing/2010/main" val="0"/>
+                </a:ext>
+              </a:extLst>
+            </a:blip>
+            <a:srcRect l="14385" t="-18" r="15272" b="12616"/>
+            <a:stretch/>
+          </p:blipFill>
+          <p:spPr>
+            <a:xfrm>
+              <a:off x="5765056" y="1981585"/>
+              <a:ext cx="2902014" cy="2403803"/>
+            </a:xfrm>
+            <a:prstGeom prst="rect">
+              <a:avLst/>
+            </a:prstGeom>
+            <a:solidFill>
+              <a:schemeClr val="bg1"/>
+            </a:solidFill>
+            <a:ln>
+              <a:noFill/>
+            </a:ln>
+          </p:spPr>
+        </p:pic>
+        <p:pic>
+          <p:nvPicPr>
+            <p:cNvPr id="5" name="Picture 4"/>
+            <p:cNvPicPr>
+              <a:picLocks noChangeAspect="1"/>
+            </p:cNvPicPr>
+            <p:nvPr/>
+          </p:nvPicPr>
+          <p:blipFill rotWithShape="1">
+            <a:blip r:embed="rId3">
+              <a:extLst>
+                <a:ext uri="{28A0092B-C50C-407E-A947-70E740481C1C}">
+                  <a14:useLocalDpi xmlns:a14="http://schemas.microsoft.com/office/drawing/2010/main" val="0"/>
+                </a:ext>
+              </a:extLst>
+            </a:blip>
+            <a:srcRect l="15835" r="16448" b="12598"/>
+            <a:stretch/>
+          </p:blipFill>
+          <p:spPr>
+            <a:xfrm>
+              <a:off x="104838" y="1981585"/>
+              <a:ext cx="2793608" cy="2403803"/>
+            </a:xfrm>
+            <a:prstGeom prst="rect">
+              <a:avLst/>
+            </a:prstGeom>
+            <a:ln>
+              <a:noFill/>
+            </a:ln>
+          </p:spPr>
+        </p:pic>
+        <p:pic>
+          <p:nvPicPr>
+            <p:cNvPr id="6" name="Picture 5"/>
+            <p:cNvPicPr>
+              <a:picLocks noChangeAspect="1"/>
+            </p:cNvPicPr>
+            <p:nvPr/>
+          </p:nvPicPr>
+          <p:blipFill rotWithShape="1">
+            <a:blip r:embed="rId4">
+              <a:extLst>
+                <a:ext uri="{28A0092B-C50C-407E-A947-70E740481C1C}">
+                  <a14:useLocalDpi xmlns:a14="http://schemas.microsoft.com/office/drawing/2010/main" val="0"/>
+                </a:ext>
+              </a:extLst>
+            </a:blip>
+            <a:srcRect l="16018" r="15354" b="12598"/>
+            <a:stretch/>
+          </p:blipFill>
+          <p:spPr>
+            <a:xfrm>
+              <a:off x="2898446" y="1981585"/>
+              <a:ext cx="2831206" cy="2403803"/>
+            </a:xfrm>
+            <a:prstGeom prst="rect">
+              <a:avLst/>
+            </a:prstGeom>
+            <a:ln>
+              <a:noFill/>
+            </a:ln>
+          </p:spPr>
+        </p:pic>
+        <p:pic>
+          <p:nvPicPr>
+            <p:cNvPr id="7" name="Picture 6"/>
+            <p:cNvPicPr>
+              <a:picLocks noChangeAspect="1"/>
+            </p:cNvPicPr>
+            <p:nvPr/>
+          </p:nvPicPr>
+          <p:blipFill rotWithShape="1">
+            <a:blip r:embed="rId5">
+              <a:extLst>
+                <a:ext uri="{28A0092B-C50C-407E-A947-70E740481C1C}">
+                  <a14:useLocalDpi xmlns:a14="http://schemas.microsoft.com/office/drawing/2010/main" val="0"/>
+                </a:ext>
+              </a:extLst>
+            </a:blip>
+            <a:srcRect l="14034" t="-739" r="13914" b="12035"/>
+            <a:stretch/>
+          </p:blipFill>
+          <p:spPr>
+            <a:xfrm>
+              <a:off x="5765056" y="4385388"/>
+              <a:ext cx="2902014" cy="2381719"/>
+            </a:xfrm>
+            <a:prstGeom prst="rect">
+              <a:avLst/>
+            </a:prstGeom>
+            <a:ln>
+              <a:noFill/>
+            </a:ln>
+          </p:spPr>
+        </p:pic>
+        <p:pic>
+          <p:nvPicPr>
+            <p:cNvPr id="8" name="Picture 7"/>
+            <p:cNvPicPr>
+              <a:picLocks noChangeAspect="1"/>
+            </p:cNvPicPr>
+            <p:nvPr/>
+          </p:nvPicPr>
+          <p:blipFill rotWithShape="1">
+            <a:blip r:embed="rId6">
+              <a:extLst>
+                <a:ext uri="{28A0092B-C50C-407E-A947-70E740481C1C}">
+                  <a14:useLocalDpi xmlns:a14="http://schemas.microsoft.com/office/drawing/2010/main" val="0"/>
+                </a:ext>
+              </a:extLst>
+            </a:blip>
+            <a:srcRect l="15173" r="15873" b="11597"/>
+            <a:stretch/>
+          </p:blipFill>
+          <p:spPr>
+            <a:xfrm>
+              <a:off x="104838" y="4385388"/>
+              <a:ext cx="2793608" cy="2387706"/>
+            </a:xfrm>
+            <a:prstGeom prst="rect">
+              <a:avLst/>
+            </a:prstGeom>
+            <a:ln>
+              <a:noFill/>
+            </a:ln>
+          </p:spPr>
+        </p:pic>
+        <p:pic>
+          <p:nvPicPr>
+            <p:cNvPr id="9" name="Picture 8"/>
+            <p:cNvPicPr>
+              <a:picLocks noChangeAspect="1"/>
+            </p:cNvPicPr>
+            <p:nvPr/>
+          </p:nvPicPr>
+          <p:blipFill rotWithShape="1">
+            <a:blip r:embed="rId7">
+              <a:extLst>
+                <a:ext uri="{28A0092B-C50C-407E-A947-70E740481C1C}">
+                  <a14:useLocalDpi xmlns:a14="http://schemas.microsoft.com/office/drawing/2010/main" val="0"/>
+                </a:ext>
+              </a:extLst>
+            </a:blip>
+            <a:srcRect l="15759" t="-94" r="15759" b="12296"/>
+            <a:stretch/>
+          </p:blipFill>
+          <p:spPr>
+            <a:xfrm>
+              <a:off x="2936043" y="4385388"/>
+              <a:ext cx="2793609" cy="2387706"/>
+            </a:xfrm>
+            <a:prstGeom prst="rect">
+              <a:avLst/>
+            </a:prstGeom>
+            <a:ln>
+              <a:noFill/>
+            </a:ln>
+          </p:spPr>
+        </p:pic>
+      </p:grpSp>
+    </p:spTree>
+    <p:extLst>
+      <p:ext uri="{BB962C8B-B14F-4D97-AF65-F5344CB8AC3E}">
+        <p14:creationId xmlns:p14="http://schemas.microsoft.com/office/powerpoint/2010/main" val="759152164"/>
+      </p:ext>
+    </p:extLst>
+  </p:cSld>
+  <p:clrMapOvr>
+    <a:masterClrMapping/>
+  </p:clrMapOvr>
+  <p:timing>
+    <p:tnLst>
+      <p:par>
+        <p:cTn id="1" dur="indefinite" restart="never" nodeType="tmRoot"/>
+      </p:par>
+    </p:tnLst>
+  </p:timing>
+</p:sld>
+</file>
+
+<file path=ppt/slides/slide9.xml><?xml version="1.0" encoding="utf-8"?>
+<p:sld xmlns:a="http://schemas.openxmlformats.org/drawingml/2006/main" xmlns:r="http://schemas.openxmlformats.org/officeDocument/2006/relationships" xmlns:p="http://schemas.openxmlformats.org/presentationml/2006/main">
+  <p:cSld>
+    <p:spTree>
+      <p:nvGrpSpPr>
+        <p:cNvPr id="1" name=""/>
+        <p:cNvGrpSpPr/>
+        <p:nvPr/>
+      </p:nvGrpSpPr>
+      <p:grpSpPr>
+        <a:xfrm>
+          <a:off x="0" y="0"/>
+          <a:ext cx="0" cy="0"/>
+          <a:chOff x="0" y="0"/>
+          <a:chExt cx="0" cy="0"/>
+        </a:xfrm>
+      </p:grpSpPr>
+      <p:grpSp>
+        <p:nvGrpSpPr>
+          <p:cNvPr id="8" name="Group 7"/>
+          <p:cNvGrpSpPr/>
+          <p:nvPr/>
+        </p:nvGrpSpPr>
+        <p:grpSpPr>
+          <a:xfrm>
+            <a:off x="396033" y="3779417"/>
+            <a:ext cx="8275072" cy="4748763"/>
+            <a:chOff x="396033" y="3779417"/>
+            <a:chExt cx="8275072" cy="4748763"/>
+          </a:xfrm>
+        </p:grpSpPr>
+        <p:pic>
+          <p:nvPicPr>
+            <p:cNvPr id="4" name="Picture 3"/>
+            <p:cNvPicPr>
+              <a:picLocks noChangeAspect="1"/>
+            </p:cNvPicPr>
+            <p:nvPr/>
+          </p:nvPicPr>
+          <p:blipFill>
+            <a:blip r:embed="rId2">
+              <a:extLst>
+                <a:ext uri="{28A0092B-C50C-407E-A947-70E740481C1C}">
+                  <a14:useLocalDpi xmlns:a14="http://schemas.microsoft.com/office/drawing/2010/main" val="0"/>
+                </a:ext>
+              </a:extLst>
+            </a:blip>
+            <a:stretch>
+              <a:fillRect/>
+            </a:stretch>
+          </p:blipFill>
+          <p:spPr>
+            <a:xfrm>
+              <a:off x="396033" y="3779417"/>
+              <a:ext cx="4137536" cy="4748763"/>
+            </a:xfrm>
+            <a:prstGeom prst="rect">
+              <a:avLst/>
+            </a:prstGeom>
+            <a:ln>
+              <a:noFill/>
+            </a:ln>
+          </p:spPr>
+        </p:pic>
+        <p:pic>
+          <p:nvPicPr>
+            <p:cNvPr id="5" name="Picture 4"/>
+            <p:cNvPicPr>
+              <a:picLocks noChangeAspect="1"/>
+            </p:cNvPicPr>
+            <p:nvPr/>
+          </p:nvPicPr>
+          <p:blipFill>
+            <a:blip r:embed="rId3">
+              <a:extLst>
+                <a:ext uri="{28A0092B-C50C-407E-A947-70E740481C1C}">
+                  <a14:useLocalDpi xmlns:a14="http://schemas.microsoft.com/office/drawing/2010/main" val="0"/>
+                </a:ext>
+              </a:extLst>
+            </a:blip>
+            <a:stretch>
+              <a:fillRect/>
+            </a:stretch>
+          </p:blipFill>
+          <p:spPr>
+            <a:xfrm>
+              <a:off x="4533569" y="3779417"/>
+              <a:ext cx="4137536" cy="4748763"/>
+            </a:xfrm>
+            <a:prstGeom prst="rect">
+              <a:avLst/>
+            </a:prstGeom>
+            <a:ln>
+              <a:noFill/>
+            </a:ln>
+          </p:spPr>
+        </p:pic>
+        <p:sp>
+          <p:nvSpPr>
+            <p:cNvPr id="6" name="TextBox 5"/>
+            <p:cNvSpPr txBox="1"/>
+            <p:nvPr/>
+          </p:nvSpPr>
+          <p:spPr>
+            <a:xfrm>
+              <a:off x="396033" y="3779417"/>
+              <a:ext cx="324128" cy="369332"/>
+            </a:xfrm>
+            <a:prstGeom prst="rect">
+              <a:avLst/>
+            </a:prstGeom>
+            <a:noFill/>
+          </p:spPr>
+          <p:txBody>
+            <a:bodyPr wrap="none" rtlCol="0">
+              <a:spAutoFit/>
+            </a:bodyPr>
+            <a:lstStyle/>
+            <a:p>
+              <a:r>
+                <a:rPr lang="en-US" b="1" dirty="0" smtClean="0"/>
+                <a:t>A</a:t>
+              </a:r>
+              <a:endParaRPr lang="en-US" b="1" dirty="0"/>
+            </a:p>
+          </p:txBody>
+        </p:sp>
+        <p:sp>
+          <p:nvSpPr>
+            <p:cNvPr id="7" name="TextBox 6"/>
+            <p:cNvSpPr txBox="1"/>
+            <p:nvPr/>
+          </p:nvSpPr>
+          <p:spPr>
+            <a:xfrm>
+              <a:off x="4515575" y="3779417"/>
+              <a:ext cx="314510" cy="369332"/>
+            </a:xfrm>
+            <a:prstGeom prst="rect">
+              <a:avLst/>
+            </a:prstGeom>
+            <a:noFill/>
+          </p:spPr>
+          <p:txBody>
+            <a:bodyPr wrap="none" rtlCol="0">
+              <a:spAutoFit/>
+            </a:bodyPr>
+            <a:lstStyle/>
+            <a:p>
+              <a:r>
+                <a:rPr lang="en-US" b="1" dirty="0"/>
+                <a:t>B</a:t>
+              </a:r>
+              <a:endParaRPr lang="en-US" b="1" dirty="0"/>
+            </a:p>
+          </p:txBody>
+        </p:sp>
+      </p:grpSp>
+    </p:spTree>
+    <p:extLst>
+      <p:ext uri="{BB962C8B-B14F-4D97-AF65-F5344CB8AC3E}">
+        <p14:creationId xmlns:p14="http://schemas.microsoft.com/office/powerpoint/2010/main" val="1319467438"/>
       </p:ext>
     </p:extLst>
   </p:cSld>

--- a/Manuscript/Images/Images.pptx
+++ b/Manuscript/Images/Images.pptx
@@ -14,6 +14,11 @@
     <p:sldId id="263" r:id="rId8"/>
     <p:sldId id="264" r:id="rId9"/>
     <p:sldId id="265" r:id="rId10"/>
+    <p:sldId id="266" r:id="rId11"/>
+    <p:sldId id="267" r:id="rId12"/>
+    <p:sldId id="268" r:id="rId13"/>
+    <p:sldId id="269" r:id="rId14"/>
+    <p:sldId id="270" r:id="rId15"/>
   </p:sldIdLst>
   <p:sldSz cx="9144000" cy="12801600"/>
   <p:notesSz cx="6858000" cy="9144000"/>
@@ -2921,75 +2926,18 @@
       </p:grpSpPr>
       <p:grpSp>
         <p:nvGrpSpPr>
-          <p:cNvPr id="13" name="Group 12"/>
+          <p:cNvPr id="15" name="Group 14"/>
           <p:cNvGrpSpPr/>
           <p:nvPr/>
         </p:nvGrpSpPr>
         <p:grpSpPr>
           <a:xfrm>
             <a:off x="1444752" y="1737360"/>
-            <a:ext cx="5832348" cy="4147358"/>
+            <a:ext cx="5945093" cy="4175455"/>
             <a:chOff x="1444752" y="1737360"/>
-            <a:chExt cx="5832348" cy="4147358"/>
+            <a:chExt cx="5945093" cy="4175455"/>
           </a:xfrm>
         </p:grpSpPr>
-        <p:graphicFrame>
-          <p:nvGraphicFramePr>
-            <p:cNvPr id="9" name="Object 8"/>
-            <p:cNvGraphicFramePr>
-              <a:graphicFrameLocks noChangeAspect="1"/>
-            </p:cNvGraphicFramePr>
-            <p:nvPr>
-              <p:extLst>
-                <p:ext uri="{D42A27DB-BD31-4B8C-83A1-F6EECF244321}">
-                  <p14:modId xmlns:p14="http://schemas.microsoft.com/office/powerpoint/2010/main" val="1279267300"/>
-                </p:ext>
-              </p:extLst>
-            </p:nvPr>
-          </p:nvGraphicFramePr>
-          <p:xfrm>
-            <a:off x="1847850" y="1771650"/>
-            <a:ext cx="5429250" cy="4113068"/>
-          </p:xfrm>
-          <a:graphic>
-            <a:graphicData uri="http://schemas.openxmlformats.org/presentationml/2006/ole">
-              <mc:AlternateContent xmlns:mc="http://schemas.openxmlformats.org/markup-compatibility/2006">
-                <mc:Choice xmlns:v="urn:schemas-microsoft-com:vml" Requires="v">
-                  <p:oleObj spid="_x0000_s1031" name="Worksheet" r:id="rId3" imgW="3771900" imgH="2857500" progId="Excel.Sheet.12">
-                    <p:embed/>
-                  </p:oleObj>
-                </mc:Choice>
-                <mc:Fallback>
-                  <p:oleObj name="Worksheet" r:id="rId3" imgW="3771900" imgH="2857500" progId="Excel.Sheet.12">
-                    <p:embed/>
-                    <p:pic>
-                      <p:nvPicPr>
-                        <p:cNvPr id="0" name=""/>
-                        <p:cNvPicPr/>
-                        <p:nvPr/>
-                      </p:nvPicPr>
-                      <p:blipFill>
-                        <a:blip r:embed="rId4"/>
-                        <a:stretch>
-                          <a:fillRect/>
-                        </a:stretch>
-                      </p:blipFill>
-                      <p:spPr>
-                        <a:xfrm>
-                          <a:off x="1847850" y="1771650"/>
-                          <a:ext cx="5429250" cy="4113068"/>
-                        </a:xfrm>
-                        <a:prstGeom prst="rect">
-                          <a:avLst/>
-                        </a:prstGeom>
-                      </p:spPr>
-                    </p:pic>
-                  </p:oleObj>
-                </mc:Fallback>
-              </mc:AlternateContent>
-            </a:graphicData>
-          </a:graphic>
-        </p:graphicFrame>
         <p:sp>
           <p:nvSpPr>
             <p:cNvPr id="10" name="TextBox 9"/>
@@ -3080,11 +3028,1483 @@
             </a:p>
           </p:txBody>
         </p:sp>
+        <p:pic>
+          <p:nvPicPr>
+            <p:cNvPr id="14" name="Picture 13"/>
+            <p:cNvPicPr>
+              <a:picLocks noChangeAspect="1"/>
+            </p:cNvPicPr>
+            <p:nvPr/>
+          </p:nvPicPr>
+          <p:blipFill>
+            <a:blip r:embed="rId2"/>
+            <a:stretch>
+              <a:fillRect/>
+            </a:stretch>
+          </p:blipFill>
+          <p:spPr>
+            <a:xfrm>
+              <a:off x="1920240" y="1783080"/>
+              <a:ext cx="5469605" cy="4129735"/>
+            </a:xfrm>
+            <a:prstGeom prst="rect">
+              <a:avLst/>
+            </a:prstGeom>
+          </p:spPr>
+        </p:pic>
       </p:grpSp>
     </p:spTree>
     <p:extLst>
       <p:ext uri="{BB962C8B-B14F-4D97-AF65-F5344CB8AC3E}">
         <p14:creationId xmlns:p14="http://schemas.microsoft.com/office/powerpoint/2010/main" val="67083727"/>
+      </p:ext>
+    </p:extLst>
+  </p:cSld>
+  <p:clrMapOvr>
+    <a:masterClrMapping/>
+  </p:clrMapOvr>
+  <p:timing>
+    <p:tnLst>
+      <p:par>
+        <p:cTn id="1" dur="indefinite" restart="never" nodeType="tmRoot"/>
+      </p:par>
+    </p:tnLst>
+  </p:timing>
+</p:sld>
+</file>
+
+<file path=ppt/slides/slide10.xml><?xml version="1.0" encoding="utf-8"?>
+<p:sld xmlns:a="http://schemas.openxmlformats.org/drawingml/2006/main" xmlns:r="http://schemas.openxmlformats.org/officeDocument/2006/relationships" xmlns:p="http://schemas.openxmlformats.org/presentationml/2006/main">
+  <p:cSld>
+    <p:spTree>
+      <p:nvGrpSpPr>
+        <p:cNvPr id="1" name=""/>
+        <p:cNvGrpSpPr/>
+        <p:nvPr/>
+      </p:nvGrpSpPr>
+      <p:grpSpPr>
+        <a:xfrm>
+          <a:off x="0" y="0"/>
+          <a:ext cx="0" cy="0"/>
+          <a:chOff x="0" y="0"/>
+          <a:chExt cx="0" cy="0"/>
+        </a:xfrm>
+      </p:grpSpPr>
+      <p:pic>
+        <p:nvPicPr>
+          <p:cNvPr id="6" name="Picture 5"/>
+          <p:cNvPicPr>
+            <a:picLocks noChangeAspect="1"/>
+          </p:cNvPicPr>
+          <p:nvPr/>
+        </p:nvPicPr>
+        <p:blipFill>
+          <a:blip r:embed="rId2"/>
+          <a:stretch>
+            <a:fillRect/>
+          </a:stretch>
+        </p:blipFill>
+        <p:spPr>
+          <a:xfrm>
+            <a:off x="0" y="4592162"/>
+            <a:ext cx="9144000" cy="3617276"/>
+          </a:xfrm>
+          <a:prstGeom prst="rect">
+            <a:avLst/>
+          </a:prstGeom>
+        </p:spPr>
+      </p:pic>
+    </p:spTree>
+    <p:extLst>
+      <p:ext uri="{BB962C8B-B14F-4D97-AF65-F5344CB8AC3E}">
+        <p14:creationId xmlns:p14="http://schemas.microsoft.com/office/powerpoint/2010/main" val="2130607395"/>
+      </p:ext>
+    </p:extLst>
+  </p:cSld>
+  <p:clrMapOvr>
+    <a:masterClrMapping/>
+  </p:clrMapOvr>
+  <p:timing>
+    <p:tnLst>
+      <p:par>
+        <p:cTn id="1" dur="indefinite" restart="never" nodeType="tmRoot"/>
+      </p:par>
+    </p:tnLst>
+  </p:timing>
+</p:sld>
+</file>
+
+<file path=ppt/slides/slide11.xml><?xml version="1.0" encoding="utf-8"?>
+<p:sld xmlns:a="http://schemas.openxmlformats.org/drawingml/2006/main" xmlns:r="http://schemas.openxmlformats.org/officeDocument/2006/relationships" xmlns:p="http://schemas.openxmlformats.org/presentationml/2006/main">
+  <p:cSld>
+    <p:spTree>
+      <p:nvGrpSpPr>
+        <p:cNvPr id="1" name=""/>
+        <p:cNvGrpSpPr/>
+        <p:nvPr/>
+      </p:nvGrpSpPr>
+      <p:grpSpPr>
+        <a:xfrm>
+          <a:off x="0" y="0"/>
+          <a:ext cx="0" cy="0"/>
+          <a:chOff x="0" y="0"/>
+          <a:chExt cx="0" cy="0"/>
+        </a:xfrm>
+      </p:grpSpPr>
+      <p:grpSp>
+        <p:nvGrpSpPr>
+          <p:cNvPr id="13" name="Group 12"/>
+          <p:cNvGrpSpPr/>
+          <p:nvPr/>
+        </p:nvGrpSpPr>
+        <p:grpSpPr>
+          <a:xfrm>
+            <a:off x="143328" y="383722"/>
+            <a:ext cx="8698920" cy="9030560"/>
+            <a:chOff x="143328" y="383722"/>
+            <a:chExt cx="8698920" cy="9030560"/>
+          </a:xfrm>
+        </p:grpSpPr>
+        <p:pic>
+          <p:nvPicPr>
+            <p:cNvPr id="4" name="Picture 3"/>
+            <p:cNvPicPr>
+              <a:picLocks noChangeAspect="1"/>
+            </p:cNvPicPr>
+            <p:nvPr/>
+          </p:nvPicPr>
+          <p:blipFill rotWithShape="1">
+            <a:blip r:embed="rId2">
+              <a:extLst>
+                <a:ext uri="{28A0092B-C50C-407E-A947-70E740481C1C}">
+                  <a14:useLocalDpi xmlns:a14="http://schemas.microsoft.com/office/drawing/2010/main" val="0"/>
+                </a:ext>
+              </a:extLst>
+            </a:blip>
+            <a:srcRect r="30667"/>
+            <a:stretch/>
+          </p:blipFill>
+          <p:spPr>
+            <a:xfrm>
+              <a:off x="143328" y="383722"/>
+              <a:ext cx="2902858" cy="2995942"/>
+            </a:xfrm>
+            <a:prstGeom prst="rect">
+              <a:avLst/>
+            </a:prstGeom>
+            <a:ln>
+              <a:noFill/>
+            </a:ln>
+          </p:spPr>
+        </p:pic>
+        <p:pic>
+          <p:nvPicPr>
+            <p:cNvPr id="5" name="Picture 4"/>
+            <p:cNvPicPr>
+              <a:picLocks noChangeAspect="1"/>
+            </p:cNvPicPr>
+            <p:nvPr/>
+          </p:nvPicPr>
+          <p:blipFill rotWithShape="1">
+            <a:blip r:embed="rId3">
+              <a:extLst>
+                <a:ext uri="{28A0092B-C50C-407E-A947-70E740481C1C}">
+                  <a14:useLocalDpi xmlns:a14="http://schemas.microsoft.com/office/drawing/2010/main" val="0"/>
+                </a:ext>
+              </a:extLst>
+            </a:blip>
+            <a:srcRect r="31161"/>
+            <a:stretch/>
+          </p:blipFill>
+          <p:spPr>
+            <a:xfrm>
+              <a:off x="3046186" y="6400801"/>
+              <a:ext cx="2918578" cy="3013481"/>
+            </a:xfrm>
+            <a:prstGeom prst="rect">
+              <a:avLst/>
+            </a:prstGeom>
+            <a:ln>
+              <a:noFill/>
+            </a:ln>
+          </p:spPr>
+        </p:pic>
+        <p:pic>
+          <p:nvPicPr>
+            <p:cNvPr id="6" name="Picture 5"/>
+            <p:cNvPicPr>
+              <a:picLocks noChangeAspect="1"/>
+            </p:cNvPicPr>
+            <p:nvPr/>
+          </p:nvPicPr>
+          <p:blipFill rotWithShape="1">
+            <a:blip r:embed="rId4">
+              <a:extLst>
+                <a:ext uri="{28A0092B-C50C-407E-A947-70E740481C1C}">
+                  <a14:useLocalDpi xmlns:a14="http://schemas.microsoft.com/office/drawing/2010/main" val="0"/>
+                </a:ext>
+              </a:extLst>
+            </a:blip>
+            <a:srcRect r="31161"/>
+            <a:stretch/>
+          </p:blipFill>
+          <p:spPr>
+            <a:xfrm>
+              <a:off x="143328" y="3379665"/>
+              <a:ext cx="2906409" cy="3021136"/>
+            </a:xfrm>
+            <a:prstGeom prst="rect">
+              <a:avLst/>
+            </a:prstGeom>
+            <a:ln>
+              <a:noFill/>
+            </a:ln>
+          </p:spPr>
+        </p:pic>
+        <p:pic>
+          <p:nvPicPr>
+            <p:cNvPr id="7" name="Picture 6"/>
+            <p:cNvPicPr>
+              <a:picLocks noChangeAspect="1"/>
+            </p:cNvPicPr>
+            <p:nvPr/>
+          </p:nvPicPr>
+          <p:blipFill rotWithShape="1">
+            <a:blip r:embed="rId5">
+              <a:extLst>
+                <a:ext uri="{28A0092B-C50C-407E-A947-70E740481C1C}">
+                  <a14:useLocalDpi xmlns:a14="http://schemas.microsoft.com/office/drawing/2010/main" val="0"/>
+                </a:ext>
+              </a:extLst>
+            </a:blip>
+            <a:srcRect r="30873"/>
+            <a:stretch/>
+          </p:blipFill>
+          <p:spPr>
+            <a:xfrm>
+              <a:off x="5949044" y="392337"/>
+              <a:ext cx="2885916" cy="2987327"/>
+            </a:xfrm>
+            <a:prstGeom prst="rect">
+              <a:avLst/>
+            </a:prstGeom>
+            <a:ln>
+              <a:noFill/>
+            </a:ln>
+          </p:spPr>
+        </p:pic>
+        <p:pic>
+          <p:nvPicPr>
+            <p:cNvPr id="8" name="Picture 7"/>
+            <p:cNvPicPr>
+              <a:picLocks noChangeAspect="1"/>
+            </p:cNvPicPr>
+            <p:nvPr/>
+          </p:nvPicPr>
+          <p:blipFill rotWithShape="1">
+            <a:blip r:embed="rId6">
+              <a:extLst>
+                <a:ext uri="{28A0092B-C50C-407E-A947-70E740481C1C}">
+                  <a14:useLocalDpi xmlns:a14="http://schemas.microsoft.com/office/drawing/2010/main" val="0"/>
+                </a:ext>
+              </a:extLst>
+            </a:blip>
+            <a:srcRect l="-282" t="23" r="30487" b="23"/>
+            <a:stretch/>
+          </p:blipFill>
+          <p:spPr>
+            <a:xfrm>
+              <a:off x="3046186" y="392337"/>
+              <a:ext cx="2908261" cy="2987327"/>
+            </a:xfrm>
+            <a:prstGeom prst="rect">
+              <a:avLst/>
+            </a:prstGeom>
+            <a:ln>
+              <a:noFill/>
+            </a:ln>
+          </p:spPr>
+        </p:pic>
+        <p:pic>
+          <p:nvPicPr>
+            <p:cNvPr id="9" name="Picture 8"/>
+            <p:cNvPicPr>
+              <a:picLocks noChangeAspect="1"/>
+            </p:cNvPicPr>
+            <p:nvPr/>
+          </p:nvPicPr>
+          <p:blipFill rotWithShape="1">
+            <a:blip r:embed="rId7">
+              <a:extLst>
+                <a:ext uri="{28A0092B-C50C-407E-A947-70E740481C1C}">
+                  <a14:useLocalDpi xmlns:a14="http://schemas.microsoft.com/office/drawing/2010/main" val="0"/>
+                </a:ext>
+              </a:extLst>
+            </a:blip>
+            <a:srcRect r="30873"/>
+            <a:stretch/>
+          </p:blipFill>
+          <p:spPr>
+            <a:xfrm>
+              <a:off x="143328" y="6409417"/>
+              <a:ext cx="2902858" cy="3004865"/>
+            </a:xfrm>
+            <a:prstGeom prst="rect">
+              <a:avLst/>
+            </a:prstGeom>
+            <a:ln>
+              <a:noFill/>
+            </a:ln>
+          </p:spPr>
+        </p:pic>
+        <p:pic>
+          <p:nvPicPr>
+            <p:cNvPr id="10" name="Picture 9"/>
+            <p:cNvPicPr>
+              <a:picLocks noChangeAspect="1"/>
+            </p:cNvPicPr>
+            <p:nvPr/>
+          </p:nvPicPr>
+          <p:blipFill rotWithShape="1">
+            <a:blip r:embed="rId8">
+              <a:extLst>
+                <a:ext uri="{28A0092B-C50C-407E-A947-70E740481C1C}">
+                  <a14:useLocalDpi xmlns:a14="http://schemas.microsoft.com/office/drawing/2010/main" val="0"/>
+                </a:ext>
+              </a:extLst>
+            </a:blip>
+            <a:srcRect l="-518" t="-60" r="30467" b="-60"/>
+            <a:stretch/>
+          </p:blipFill>
+          <p:spPr>
+            <a:xfrm>
+              <a:off x="5907689" y="3388279"/>
+              <a:ext cx="2927271" cy="3021138"/>
+            </a:xfrm>
+            <a:prstGeom prst="rect">
+              <a:avLst/>
+            </a:prstGeom>
+            <a:ln>
+              <a:noFill/>
+            </a:ln>
+          </p:spPr>
+        </p:pic>
+        <p:pic>
+          <p:nvPicPr>
+            <p:cNvPr id="11" name="Picture 10"/>
+            <p:cNvPicPr>
+              <a:picLocks noChangeAspect="1"/>
+            </p:cNvPicPr>
+            <p:nvPr/>
+          </p:nvPicPr>
+          <p:blipFill rotWithShape="1">
+            <a:blip r:embed="rId9">
+              <a:extLst>
+                <a:ext uri="{28A0092B-C50C-407E-A947-70E740481C1C}">
+                  <a14:useLocalDpi xmlns:a14="http://schemas.microsoft.com/office/drawing/2010/main" val="0"/>
+                </a:ext>
+              </a:extLst>
+            </a:blip>
+            <a:srcRect l="-407" t="-60" r="30718" b="-60"/>
+            <a:stretch/>
+          </p:blipFill>
+          <p:spPr>
+            <a:xfrm>
+              <a:off x="3046186" y="3379664"/>
+              <a:ext cx="2918578" cy="3021137"/>
+            </a:xfrm>
+            <a:prstGeom prst="rect">
+              <a:avLst/>
+            </a:prstGeom>
+            <a:ln>
+              <a:noFill/>
+            </a:ln>
+          </p:spPr>
+        </p:pic>
+        <p:pic>
+          <p:nvPicPr>
+            <p:cNvPr id="12" name="Picture 11"/>
+            <p:cNvPicPr>
+              <a:picLocks noChangeAspect="1"/>
+            </p:cNvPicPr>
+            <p:nvPr/>
+          </p:nvPicPr>
+          <p:blipFill rotWithShape="1">
+            <a:blip r:embed="rId10">
+              <a:extLst>
+                <a:ext uri="{28A0092B-C50C-407E-A947-70E740481C1C}">
+                  <a14:useLocalDpi xmlns:a14="http://schemas.microsoft.com/office/drawing/2010/main" val="0"/>
+                </a:ext>
+              </a:extLst>
+            </a:blip>
+            <a:srcRect l="-793" t="29" r="30614" b="785"/>
+            <a:stretch/>
+          </p:blipFill>
+          <p:spPr>
+            <a:xfrm>
+              <a:off x="5980176" y="6418032"/>
+              <a:ext cx="2862072" cy="2996250"/>
+            </a:xfrm>
+            <a:prstGeom prst="rect">
+              <a:avLst/>
+            </a:prstGeom>
+            <a:ln>
+              <a:noFill/>
+            </a:ln>
+          </p:spPr>
+        </p:pic>
+      </p:grpSp>
+    </p:spTree>
+    <p:extLst>
+      <p:ext uri="{BB962C8B-B14F-4D97-AF65-F5344CB8AC3E}">
+        <p14:creationId xmlns:p14="http://schemas.microsoft.com/office/powerpoint/2010/main" val="1354948758"/>
+      </p:ext>
+    </p:extLst>
+  </p:cSld>
+  <p:clrMapOvr>
+    <a:masterClrMapping/>
+  </p:clrMapOvr>
+  <p:timing>
+    <p:tnLst>
+      <p:par>
+        <p:cTn id="1" dur="indefinite" restart="never" nodeType="tmRoot"/>
+      </p:par>
+    </p:tnLst>
+  </p:timing>
+</p:sld>
+</file>
+
+<file path=ppt/slides/slide12.xml><?xml version="1.0" encoding="utf-8"?>
+<p:sld xmlns:a="http://schemas.openxmlformats.org/drawingml/2006/main" xmlns:r="http://schemas.openxmlformats.org/officeDocument/2006/relationships" xmlns:p="http://schemas.openxmlformats.org/presentationml/2006/main">
+  <p:cSld>
+    <p:spTree>
+      <p:nvGrpSpPr>
+        <p:cNvPr id="1" name=""/>
+        <p:cNvGrpSpPr/>
+        <p:nvPr/>
+      </p:nvGrpSpPr>
+      <p:grpSpPr>
+        <a:xfrm>
+          <a:off x="0" y="0"/>
+          <a:ext cx="0" cy="0"/>
+          <a:chOff x="0" y="0"/>
+          <a:chExt cx="0" cy="0"/>
+        </a:xfrm>
+      </p:grpSpPr>
+      <p:grpSp>
+        <p:nvGrpSpPr>
+          <p:cNvPr id="13" name="Group 12"/>
+          <p:cNvGrpSpPr/>
+          <p:nvPr/>
+        </p:nvGrpSpPr>
+        <p:grpSpPr>
+          <a:xfrm>
+            <a:off x="139386" y="1733552"/>
+            <a:ext cx="8615171" cy="8889617"/>
+            <a:chOff x="139386" y="1733552"/>
+            <a:chExt cx="8615171" cy="8889617"/>
+          </a:xfrm>
+        </p:grpSpPr>
+        <p:pic>
+          <p:nvPicPr>
+            <p:cNvPr id="4" name="Picture 3"/>
+            <p:cNvPicPr>
+              <a:picLocks noChangeAspect="1"/>
+            </p:cNvPicPr>
+            <p:nvPr/>
+          </p:nvPicPr>
+          <p:blipFill rotWithShape="1">
+            <a:blip r:embed="rId2">
+              <a:extLst>
+                <a:ext uri="{28A0092B-C50C-407E-A947-70E740481C1C}">
+                  <a14:useLocalDpi xmlns:a14="http://schemas.microsoft.com/office/drawing/2010/main" val="0"/>
+                </a:ext>
+              </a:extLst>
+            </a:blip>
+            <a:srcRect r="32884"/>
+            <a:stretch/>
+          </p:blipFill>
+          <p:spPr>
+            <a:xfrm>
+              <a:off x="146049" y="4697505"/>
+              <a:ext cx="2849631" cy="2963953"/>
+            </a:xfrm>
+            <a:prstGeom prst="rect">
+              <a:avLst/>
+            </a:prstGeom>
+            <a:ln>
+              <a:noFill/>
+            </a:ln>
+          </p:spPr>
+        </p:pic>
+        <p:pic>
+          <p:nvPicPr>
+            <p:cNvPr id="5" name="Picture 4"/>
+            <p:cNvPicPr>
+              <a:picLocks noChangeAspect="1"/>
+            </p:cNvPicPr>
+            <p:nvPr/>
+          </p:nvPicPr>
+          <p:blipFill rotWithShape="1">
+            <a:blip r:embed="rId3">
+              <a:extLst>
+                <a:ext uri="{28A0092B-C50C-407E-A947-70E740481C1C}">
+                  <a14:useLocalDpi xmlns:a14="http://schemas.microsoft.com/office/drawing/2010/main" val="0"/>
+                </a:ext>
+              </a:extLst>
+            </a:blip>
+            <a:srcRect r="32686"/>
+            <a:stretch/>
+          </p:blipFill>
+          <p:spPr>
+            <a:xfrm>
+              <a:off x="3034955" y="4697504"/>
+              <a:ext cx="2858048" cy="2963953"/>
+            </a:xfrm>
+            <a:prstGeom prst="rect">
+              <a:avLst/>
+            </a:prstGeom>
+            <a:ln>
+              <a:noFill/>
+            </a:ln>
+          </p:spPr>
+        </p:pic>
+        <p:pic>
+          <p:nvPicPr>
+            <p:cNvPr id="6" name="Picture 5"/>
+            <p:cNvPicPr>
+              <a:picLocks noChangeAspect="1"/>
+            </p:cNvPicPr>
+            <p:nvPr/>
+          </p:nvPicPr>
+          <p:blipFill rotWithShape="1">
+            <a:blip r:embed="rId4">
+              <a:extLst>
+                <a:ext uri="{28A0092B-C50C-407E-A947-70E740481C1C}">
+                  <a14:useLocalDpi xmlns:a14="http://schemas.microsoft.com/office/drawing/2010/main" val="0"/>
+                </a:ext>
+              </a:extLst>
+            </a:blip>
+            <a:srcRect r="32884"/>
+            <a:stretch/>
+          </p:blipFill>
+          <p:spPr>
+            <a:xfrm>
+              <a:off x="139386" y="7659216"/>
+              <a:ext cx="2849631" cy="2963953"/>
+            </a:xfrm>
+            <a:prstGeom prst="rect">
+              <a:avLst/>
+            </a:prstGeom>
+            <a:ln>
+              <a:noFill/>
+            </a:ln>
+          </p:spPr>
+        </p:pic>
+        <p:pic>
+          <p:nvPicPr>
+            <p:cNvPr id="7" name="Picture 6"/>
+            <p:cNvPicPr>
+              <a:picLocks noChangeAspect="1"/>
+            </p:cNvPicPr>
+            <p:nvPr/>
+          </p:nvPicPr>
+          <p:blipFill rotWithShape="1">
+            <a:blip r:embed="rId5">
+              <a:extLst>
+                <a:ext uri="{28A0092B-C50C-407E-A947-70E740481C1C}">
+                  <a14:useLocalDpi xmlns:a14="http://schemas.microsoft.com/office/drawing/2010/main" val="0"/>
+                </a:ext>
+              </a:extLst>
+            </a:blip>
+            <a:srcRect r="32899"/>
+            <a:stretch/>
+          </p:blipFill>
+          <p:spPr>
+            <a:xfrm>
+              <a:off x="5905538" y="4697503"/>
+              <a:ext cx="2849019" cy="2963953"/>
+            </a:xfrm>
+            <a:prstGeom prst="rect">
+              <a:avLst/>
+            </a:prstGeom>
+            <a:ln>
+              <a:noFill/>
+            </a:ln>
+          </p:spPr>
+        </p:pic>
+        <p:pic>
+          <p:nvPicPr>
+            <p:cNvPr id="8" name="Picture 7"/>
+            <p:cNvPicPr>
+              <a:picLocks noChangeAspect="1"/>
+            </p:cNvPicPr>
+            <p:nvPr/>
+          </p:nvPicPr>
+          <p:blipFill rotWithShape="1">
+            <a:blip r:embed="rId6">
+              <a:extLst>
+                <a:ext uri="{28A0092B-C50C-407E-A947-70E740481C1C}">
+                  <a14:useLocalDpi xmlns:a14="http://schemas.microsoft.com/office/drawing/2010/main" val="0"/>
+                </a:ext>
+              </a:extLst>
+            </a:blip>
+            <a:srcRect r="32804"/>
+            <a:stretch/>
+          </p:blipFill>
+          <p:spPr>
+            <a:xfrm>
+              <a:off x="3030352" y="7659216"/>
+              <a:ext cx="2853049" cy="2963953"/>
+            </a:xfrm>
+            <a:prstGeom prst="rect">
+              <a:avLst/>
+            </a:prstGeom>
+            <a:ln>
+              <a:noFill/>
+            </a:ln>
+          </p:spPr>
+        </p:pic>
+        <p:pic>
+          <p:nvPicPr>
+            <p:cNvPr id="9" name="Picture 8"/>
+            <p:cNvPicPr>
+              <a:picLocks noChangeAspect="1"/>
+            </p:cNvPicPr>
+            <p:nvPr/>
+          </p:nvPicPr>
+          <p:blipFill rotWithShape="1">
+            <a:blip r:embed="rId7">
+              <a:extLst>
+                <a:ext uri="{28A0092B-C50C-407E-A947-70E740481C1C}">
+                  <a14:useLocalDpi xmlns:a14="http://schemas.microsoft.com/office/drawing/2010/main" val="0"/>
+                </a:ext>
+              </a:extLst>
+            </a:blip>
+            <a:srcRect r="33198"/>
+            <a:stretch/>
+          </p:blipFill>
+          <p:spPr>
+            <a:xfrm>
+              <a:off x="5905628" y="7659216"/>
+              <a:ext cx="2836304" cy="2963953"/>
+            </a:xfrm>
+            <a:prstGeom prst="rect">
+              <a:avLst/>
+            </a:prstGeom>
+            <a:ln>
+              <a:noFill/>
+            </a:ln>
+          </p:spPr>
+        </p:pic>
+        <p:pic>
+          <p:nvPicPr>
+            <p:cNvPr id="10" name="Picture 9"/>
+            <p:cNvPicPr>
+              <a:picLocks noChangeAspect="1"/>
+            </p:cNvPicPr>
+            <p:nvPr/>
+          </p:nvPicPr>
+          <p:blipFill rotWithShape="1">
+            <a:blip r:embed="rId8">
+              <a:extLst>
+                <a:ext uri="{28A0092B-C50C-407E-A947-70E740481C1C}">
+                  <a14:useLocalDpi xmlns:a14="http://schemas.microsoft.com/office/drawing/2010/main" val="0"/>
+                </a:ext>
+              </a:extLst>
+            </a:blip>
+            <a:srcRect r="32604"/>
+            <a:stretch/>
+          </p:blipFill>
+          <p:spPr>
+            <a:xfrm>
+              <a:off x="5893003" y="1734670"/>
+              <a:ext cx="2861554" cy="2963953"/>
+            </a:xfrm>
+            <a:prstGeom prst="rect">
+              <a:avLst/>
+            </a:prstGeom>
+            <a:ln>
+              <a:noFill/>
+            </a:ln>
+          </p:spPr>
+        </p:pic>
+        <p:pic>
+          <p:nvPicPr>
+            <p:cNvPr id="11" name="Picture 10"/>
+            <p:cNvPicPr>
+              <a:picLocks noChangeAspect="1"/>
+            </p:cNvPicPr>
+            <p:nvPr/>
+          </p:nvPicPr>
+          <p:blipFill rotWithShape="1">
+            <a:blip r:embed="rId9">
+              <a:extLst>
+                <a:ext uri="{28A0092B-C50C-407E-A947-70E740481C1C}">
+                  <a14:useLocalDpi xmlns:a14="http://schemas.microsoft.com/office/drawing/2010/main" val="0"/>
+                </a:ext>
+              </a:extLst>
+            </a:blip>
+            <a:srcRect r="32802"/>
+            <a:stretch/>
+          </p:blipFill>
+          <p:spPr>
+            <a:xfrm>
+              <a:off x="3019526" y="1733552"/>
+              <a:ext cx="2853138" cy="2963953"/>
+            </a:xfrm>
+            <a:prstGeom prst="rect">
+              <a:avLst/>
+            </a:prstGeom>
+            <a:ln>
+              <a:noFill/>
+            </a:ln>
+          </p:spPr>
+        </p:pic>
+        <p:pic>
+          <p:nvPicPr>
+            <p:cNvPr id="12" name="Picture 11"/>
+            <p:cNvPicPr>
+              <a:picLocks noChangeAspect="1"/>
+            </p:cNvPicPr>
+            <p:nvPr/>
+          </p:nvPicPr>
+          <p:blipFill rotWithShape="1">
+            <a:blip r:embed="rId10">
+              <a:extLst>
+                <a:ext uri="{28A0092B-C50C-407E-A947-70E740481C1C}">
+                  <a14:useLocalDpi xmlns:a14="http://schemas.microsoft.com/office/drawing/2010/main" val="0"/>
+                </a:ext>
+              </a:extLst>
+            </a:blip>
+            <a:srcRect r="32323"/>
+            <a:stretch/>
+          </p:blipFill>
+          <p:spPr>
+            <a:xfrm>
+              <a:off x="146049" y="1733553"/>
+              <a:ext cx="2873477" cy="2963953"/>
+            </a:xfrm>
+            <a:prstGeom prst="rect">
+              <a:avLst/>
+            </a:prstGeom>
+            <a:ln>
+              <a:noFill/>
+            </a:ln>
+          </p:spPr>
+        </p:pic>
+      </p:grpSp>
+    </p:spTree>
+    <p:extLst>
+      <p:ext uri="{BB962C8B-B14F-4D97-AF65-F5344CB8AC3E}">
+        <p14:creationId xmlns:p14="http://schemas.microsoft.com/office/powerpoint/2010/main" val="137394082"/>
+      </p:ext>
+    </p:extLst>
+  </p:cSld>
+  <p:clrMapOvr>
+    <a:masterClrMapping/>
+  </p:clrMapOvr>
+  <p:timing>
+    <p:tnLst>
+      <p:par>
+        <p:cTn id="1" dur="indefinite" restart="never" nodeType="tmRoot"/>
+      </p:par>
+    </p:tnLst>
+  </p:timing>
+</p:sld>
+</file>
+
+<file path=ppt/slides/slide13.xml><?xml version="1.0" encoding="utf-8"?>
+<p:sld xmlns:a="http://schemas.openxmlformats.org/drawingml/2006/main" xmlns:r="http://schemas.openxmlformats.org/officeDocument/2006/relationships" xmlns:p="http://schemas.openxmlformats.org/presentationml/2006/main">
+  <p:cSld>
+    <p:spTree>
+      <p:nvGrpSpPr>
+        <p:cNvPr id="1" name=""/>
+        <p:cNvGrpSpPr/>
+        <p:nvPr/>
+      </p:nvGrpSpPr>
+      <p:grpSpPr>
+        <a:xfrm>
+          <a:off x="0" y="0"/>
+          <a:ext cx="0" cy="0"/>
+          <a:chOff x="0" y="0"/>
+          <a:chExt cx="0" cy="0"/>
+        </a:xfrm>
+      </p:grpSpPr>
+      <p:grpSp>
+        <p:nvGrpSpPr>
+          <p:cNvPr id="13" name="Group 12"/>
+          <p:cNvGrpSpPr/>
+          <p:nvPr/>
+        </p:nvGrpSpPr>
+        <p:grpSpPr>
+          <a:xfrm>
+            <a:off x="429898" y="1530914"/>
+            <a:ext cx="8324760" cy="8527486"/>
+            <a:chOff x="325989" y="3359714"/>
+            <a:chExt cx="8324760" cy="8527486"/>
+          </a:xfrm>
+        </p:grpSpPr>
+        <p:pic>
+          <p:nvPicPr>
+            <p:cNvPr id="4" name="Picture 3"/>
+            <p:cNvPicPr>
+              <a:picLocks noChangeAspect="1"/>
+            </p:cNvPicPr>
+            <p:nvPr/>
+          </p:nvPicPr>
+          <p:blipFill rotWithShape="1">
+            <a:blip r:embed="rId2">
+              <a:extLst>
+                <a:ext uri="{28A0092B-C50C-407E-A947-70E740481C1C}">
+                  <a14:useLocalDpi xmlns:a14="http://schemas.microsoft.com/office/drawing/2010/main" val="0"/>
+                </a:ext>
+              </a:extLst>
+            </a:blip>
+            <a:srcRect r="32356"/>
+            <a:stretch/>
+          </p:blipFill>
+          <p:spPr>
+            <a:xfrm>
+              <a:off x="333051" y="3359714"/>
+              <a:ext cx="2763982" cy="2842493"/>
+            </a:xfrm>
+            <a:prstGeom prst="rect">
+              <a:avLst/>
+            </a:prstGeom>
+            <a:ln>
+              <a:noFill/>
+            </a:ln>
+          </p:spPr>
+        </p:pic>
+        <p:pic>
+          <p:nvPicPr>
+            <p:cNvPr id="5" name="Picture 4"/>
+            <p:cNvPicPr>
+              <a:picLocks noChangeAspect="1"/>
+            </p:cNvPicPr>
+            <p:nvPr/>
+          </p:nvPicPr>
+          <p:blipFill rotWithShape="1">
+            <a:blip r:embed="rId3">
+              <a:extLst>
+                <a:ext uri="{28A0092B-C50C-407E-A947-70E740481C1C}">
+                  <a14:useLocalDpi xmlns:a14="http://schemas.microsoft.com/office/drawing/2010/main" val="0"/>
+                </a:ext>
+              </a:extLst>
+            </a:blip>
+            <a:srcRect r="32526"/>
+            <a:stretch/>
+          </p:blipFill>
+          <p:spPr>
+            <a:xfrm>
+              <a:off x="3124999" y="3359715"/>
+              <a:ext cx="2757055" cy="2842493"/>
+            </a:xfrm>
+            <a:prstGeom prst="rect">
+              <a:avLst/>
+            </a:prstGeom>
+            <a:ln>
+              <a:noFill/>
+            </a:ln>
+          </p:spPr>
+        </p:pic>
+        <p:pic>
+          <p:nvPicPr>
+            <p:cNvPr id="6" name="Picture 5"/>
+            <p:cNvPicPr>
+              <a:picLocks noChangeAspect="1"/>
+            </p:cNvPicPr>
+            <p:nvPr/>
+          </p:nvPicPr>
+          <p:blipFill rotWithShape="1">
+            <a:blip r:embed="rId4">
+              <a:extLst>
+                <a:ext uri="{28A0092B-C50C-407E-A947-70E740481C1C}">
+                  <a14:useLocalDpi xmlns:a14="http://schemas.microsoft.com/office/drawing/2010/main" val="0"/>
+                </a:ext>
+              </a:extLst>
+            </a:blip>
+            <a:srcRect r="32695"/>
+            <a:stretch/>
+          </p:blipFill>
+          <p:spPr>
+            <a:xfrm>
+              <a:off x="5900622" y="3359718"/>
+              <a:ext cx="2750127" cy="2842493"/>
+            </a:xfrm>
+            <a:prstGeom prst="rect">
+              <a:avLst/>
+            </a:prstGeom>
+            <a:ln>
+              <a:noFill/>
+            </a:ln>
+          </p:spPr>
+        </p:pic>
+        <p:pic>
+          <p:nvPicPr>
+            <p:cNvPr id="7" name="Picture 6"/>
+            <p:cNvPicPr>
+              <a:picLocks noChangeAspect="1"/>
+            </p:cNvPicPr>
+            <p:nvPr/>
+          </p:nvPicPr>
+          <p:blipFill rotWithShape="1">
+            <a:blip r:embed="rId5">
+              <a:extLst>
+                <a:ext uri="{28A0092B-C50C-407E-A947-70E740481C1C}">
+                  <a14:useLocalDpi xmlns:a14="http://schemas.microsoft.com/office/drawing/2010/main" val="0"/>
+                </a:ext>
+              </a:extLst>
+            </a:blip>
+            <a:srcRect r="32554"/>
+            <a:stretch/>
+          </p:blipFill>
+          <p:spPr>
+            <a:xfrm>
+              <a:off x="339965" y="6202210"/>
+              <a:ext cx="2757068" cy="2842493"/>
+            </a:xfrm>
+            <a:prstGeom prst="rect">
+              <a:avLst/>
+            </a:prstGeom>
+            <a:ln>
+              <a:noFill/>
+            </a:ln>
+          </p:spPr>
+        </p:pic>
+        <p:pic>
+          <p:nvPicPr>
+            <p:cNvPr id="8" name="Picture 7"/>
+            <p:cNvPicPr>
+              <a:picLocks noChangeAspect="1"/>
+            </p:cNvPicPr>
+            <p:nvPr/>
+          </p:nvPicPr>
+          <p:blipFill rotWithShape="1">
+            <a:blip r:embed="rId6">
+              <a:extLst>
+                <a:ext uri="{28A0092B-C50C-407E-A947-70E740481C1C}">
+                  <a14:useLocalDpi xmlns:a14="http://schemas.microsoft.com/office/drawing/2010/main" val="0"/>
+                </a:ext>
+              </a:extLst>
+            </a:blip>
+            <a:srcRect r="32723"/>
+            <a:stretch/>
+          </p:blipFill>
+          <p:spPr>
+            <a:xfrm>
+              <a:off x="3130900" y="6202210"/>
+              <a:ext cx="2748973" cy="2842493"/>
+            </a:xfrm>
+            <a:prstGeom prst="rect">
+              <a:avLst/>
+            </a:prstGeom>
+            <a:ln>
+              <a:noFill/>
+            </a:ln>
+          </p:spPr>
+        </p:pic>
+        <p:pic>
+          <p:nvPicPr>
+            <p:cNvPr id="9" name="Picture 8"/>
+            <p:cNvPicPr>
+              <a:picLocks noChangeAspect="1"/>
+            </p:cNvPicPr>
+            <p:nvPr/>
+          </p:nvPicPr>
+          <p:blipFill rotWithShape="1">
+            <a:blip r:embed="rId7">
+              <a:extLst>
+                <a:ext uri="{28A0092B-C50C-407E-A947-70E740481C1C}">
+                  <a14:useLocalDpi xmlns:a14="http://schemas.microsoft.com/office/drawing/2010/main" val="0"/>
+                </a:ext>
+              </a:extLst>
+            </a:blip>
+            <a:srcRect r="32893"/>
+            <a:stretch/>
+          </p:blipFill>
+          <p:spPr>
+            <a:xfrm>
+              <a:off x="5904662" y="6202210"/>
+              <a:ext cx="2742045" cy="2842493"/>
+            </a:xfrm>
+            <a:prstGeom prst="rect">
+              <a:avLst/>
+            </a:prstGeom>
+            <a:ln>
+              <a:noFill/>
+            </a:ln>
+          </p:spPr>
+        </p:pic>
+        <p:pic>
+          <p:nvPicPr>
+            <p:cNvPr id="10" name="Picture 9"/>
+            <p:cNvPicPr>
+              <a:picLocks noChangeAspect="1"/>
+            </p:cNvPicPr>
+            <p:nvPr/>
+          </p:nvPicPr>
+          <p:blipFill rotWithShape="1">
+            <a:blip r:embed="rId8">
+              <a:extLst>
+                <a:ext uri="{28A0092B-C50C-407E-A947-70E740481C1C}">
+                  <a14:useLocalDpi xmlns:a14="http://schemas.microsoft.com/office/drawing/2010/main" val="0"/>
+                </a:ext>
+              </a:extLst>
+            </a:blip>
+            <a:srcRect r="31915"/>
+            <a:stretch/>
+          </p:blipFill>
+          <p:spPr>
+            <a:xfrm>
+              <a:off x="5885464" y="9044706"/>
+              <a:ext cx="2761243" cy="2842493"/>
+            </a:xfrm>
+            <a:prstGeom prst="rect">
+              <a:avLst/>
+            </a:prstGeom>
+            <a:ln>
+              <a:noFill/>
+            </a:ln>
+          </p:spPr>
+        </p:pic>
+        <p:pic>
+          <p:nvPicPr>
+            <p:cNvPr id="11" name="Picture 10"/>
+            <p:cNvPicPr>
+              <a:picLocks noChangeAspect="1"/>
+            </p:cNvPicPr>
+            <p:nvPr/>
+          </p:nvPicPr>
+          <p:blipFill rotWithShape="1">
+            <a:blip r:embed="rId9">
+              <a:extLst>
+                <a:ext uri="{28A0092B-C50C-407E-A947-70E740481C1C}">
+                  <a14:useLocalDpi xmlns:a14="http://schemas.microsoft.com/office/drawing/2010/main" val="0"/>
+                </a:ext>
+              </a:extLst>
+            </a:blip>
+            <a:srcRect r="32072"/>
+            <a:stretch/>
+          </p:blipFill>
+          <p:spPr>
+            <a:xfrm>
+              <a:off x="3109841" y="9044707"/>
+              <a:ext cx="2775623" cy="2842493"/>
+            </a:xfrm>
+            <a:prstGeom prst="rect">
+              <a:avLst/>
+            </a:prstGeom>
+            <a:ln>
+              <a:noFill/>
+            </a:ln>
+          </p:spPr>
+        </p:pic>
+        <p:pic>
+          <p:nvPicPr>
+            <p:cNvPr id="12" name="Picture 11"/>
+            <p:cNvPicPr>
+              <a:picLocks noChangeAspect="1"/>
+            </p:cNvPicPr>
+            <p:nvPr/>
+          </p:nvPicPr>
+          <p:blipFill rotWithShape="1">
+            <a:blip r:embed="rId10">
+              <a:extLst>
+                <a:ext uri="{28A0092B-C50C-407E-A947-70E740481C1C}">
+                  <a14:useLocalDpi xmlns:a14="http://schemas.microsoft.com/office/drawing/2010/main" val="0"/>
+                </a:ext>
+              </a:extLst>
+            </a:blip>
+            <a:srcRect r="31941"/>
+            <a:stretch/>
+          </p:blipFill>
+          <p:spPr>
+            <a:xfrm>
+              <a:off x="325989" y="9044703"/>
+              <a:ext cx="2780930" cy="2842493"/>
+            </a:xfrm>
+            <a:prstGeom prst="rect">
+              <a:avLst/>
+            </a:prstGeom>
+            <a:ln>
+              <a:noFill/>
+            </a:ln>
+          </p:spPr>
+        </p:pic>
+      </p:grpSp>
+    </p:spTree>
+    <p:extLst>
+      <p:ext uri="{BB962C8B-B14F-4D97-AF65-F5344CB8AC3E}">
+        <p14:creationId xmlns:p14="http://schemas.microsoft.com/office/powerpoint/2010/main" val="1852609815"/>
+      </p:ext>
+    </p:extLst>
+  </p:cSld>
+  <p:clrMapOvr>
+    <a:masterClrMapping/>
+  </p:clrMapOvr>
+  <p:timing>
+    <p:tnLst>
+      <p:par>
+        <p:cTn id="1" dur="indefinite" restart="never" nodeType="tmRoot"/>
+      </p:par>
+    </p:tnLst>
+  </p:timing>
+</p:sld>
+</file>
+
+<file path=ppt/slides/slide14.xml><?xml version="1.0" encoding="utf-8"?>
+<p:sld xmlns:a="http://schemas.openxmlformats.org/drawingml/2006/main" xmlns:r="http://schemas.openxmlformats.org/officeDocument/2006/relationships" xmlns:p="http://schemas.openxmlformats.org/presentationml/2006/main">
+  <p:cSld>
+    <p:spTree>
+      <p:nvGrpSpPr>
+        <p:cNvPr id="1" name=""/>
+        <p:cNvGrpSpPr/>
+        <p:nvPr/>
+      </p:nvGrpSpPr>
+      <p:grpSpPr>
+        <a:xfrm>
+          <a:off x="0" y="0"/>
+          <a:ext cx="0" cy="0"/>
+          <a:chOff x="0" y="0"/>
+          <a:chExt cx="0" cy="0"/>
+        </a:xfrm>
+      </p:grpSpPr>
+      <p:grpSp>
+        <p:nvGrpSpPr>
+          <p:cNvPr id="13" name="Group 12"/>
+          <p:cNvGrpSpPr/>
+          <p:nvPr/>
+        </p:nvGrpSpPr>
+        <p:grpSpPr>
+          <a:xfrm>
+            <a:off x="173718" y="3140761"/>
+            <a:ext cx="8399562" cy="8559402"/>
+            <a:chOff x="173718" y="3140761"/>
+            <a:chExt cx="8399562" cy="8559402"/>
+          </a:xfrm>
+        </p:grpSpPr>
+        <p:pic>
+          <p:nvPicPr>
+            <p:cNvPr id="4" name="Picture 3"/>
+            <p:cNvPicPr>
+              <a:picLocks noChangeAspect="1"/>
+            </p:cNvPicPr>
+            <p:nvPr/>
+          </p:nvPicPr>
+          <p:blipFill>
+            <a:blip r:embed="rId2">
+              <a:extLst>
+                <a:ext uri="{28A0092B-C50C-407E-A947-70E740481C1C}">
+                  <a14:useLocalDpi xmlns:a14="http://schemas.microsoft.com/office/drawing/2010/main" val="0"/>
+                </a:ext>
+              </a:extLst>
+            </a:blip>
+            <a:stretch>
+              <a:fillRect/>
+            </a:stretch>
+          </p:blipFill>
+          <p:spPr>
+            <a:xfrm>
+              <a:off x="173719" y="3140761"/>
+              <a:ext cx="2799853" cy="2849597"/>
+            </a:xfrm>
+            <a:prstGeom prst="rect">
+              <a:avLst/>
+            </a:prstGeom>
+            <a:ln>
+              <a:solidFill>
+                <a:schemeClr val="accent1"/>
+              </a:solidFill>
+            </a:ln>
+          </p:spPr>
+        </p:pic>
+        <p:pic>
+          <p:nvPicPr>
+            <p:cNvPr id="5" name="Picture 4"/>
+            <p:cNvPicPr>
+              <a:picLocks noChangeAspect="1"/>
+            </p:cNvPicPr>
+            <p:nvPr/>
+          </p:nvPicPr>
+          <p:blipFill>
+            <a:blip r:embed="rId3">
+              <a:extLst>
+                <a:ext uri="{28A0092B-C50C-407E-A947-70E740481C1C}">
+                  <a14:useLocalDpi xmlns:a14="http://schemas.microsoft.com/office/drawing/2010/main" val="0"/>
+                </a:ext>
+              </a:extLst>
+            </a:blip>
+            <a:stretch>
+              <a:fillRect/>
+            </a:stretch>
+          </p:blipFill>
+          <p:spPr>
+            <a:xfrm>
+              <a:off x="2973572" y="3147867"/>
+              <a:ext cx="2799854" cy="2842491"/>
+            </a:xfrm>
+            <a:prstGeom prst="rect">
+              <a:avLst/>
+            </a:prstGeom>
+            <a:ln>
+              <a:solidFill>
+                <a:schemeClr val="accent1"/>
+              </a:solidFill>
+            </a:ln>
+          </p:spPr>
+        </p:pic>
+        <p:pic>
+          <p:nvPicPr>
+            <p:cNvPr id="6" name="Picture 5"/>
+            <p:cNvPicPr>
+              <a:picLocks noChangeAspect="1"/>
+            </p:cNvPicPr>
+            <p:nvPr/>
+          </p:nvPicPr>
+          <p:blipFill>
+            <a:blip r:embed="rId4">
+              <a:extLst>
+                <a:ext uri="{28A0092B-C50C-407E-A947-70E740481C1C}">
+                  <a14:useLocalDpi xmlns:a14="http://schemas.microsoft.com/office/drawing/2010/main" val="0"/>
+                </a:ext>
+              </a:extLst>
+            </a:blip>
+            <a:stretch>
+              <a:fillRect/>
+            </a:stretch>
+          </p:blipFill>
+          <p:spPr>
+            <a:xfrm>
+              <a:off x="5773426" y="3147866"/>
+              <a:ext cx="2799854" cy="2842491"/>
+            </a:xfrm>
+            <a:prstGeom prst="rect">
+              <a:avLst/>
+            </a:prstGeom>
+            <a:ln>
+              <a:solidFill>
+                <a:schemeClr val="accent1"/>
+              </a:solidFill>
+            </a:ln>
+          </p:spPr>
+        </p:pic>
+        <p:pic>
+          <p:nvPicPr>
+            <p:cNvPr id="7" name="Picture 6"/>
+            <p:cNvPicPr>
+              <a:picLocks noChangeAspect="1"/>
+            </p:cNvPicPr>
+            <p:nvPr/>
+          </p:nvPicPr>
+          <p:blipFill>
+            <a:blip r:embed="rId5">
+              <a:extLst>
+                <a:ext uri="{28A0092B-C50C-407E-A947-70E740481C1C}">
+                  <a14:useLocalDpi xmlns:a14="http://schemas.microsoft.com/office/drawing/2010/main" val="0"/>
+                </a:ext>
+              </a:extLst>
+            </a:blip>
+            <a:stretch>
+              <a:fillRect/>
+            </a:stretch>
+          </p:blipFill>
+          <p:spPr>
+            <a:xfrm>
+              <a:off x="173718" y="5981120"/>
+              <a:ext cx="2799854" cy="2842491"/>
+            </a:xfrm>
+            <a:prstGeom prst="rect">
+              <a:avLst/>
+            </a:prstGeom>
+            <a:ln>
+              <a:solidFill>
+                <a:schemeClr val="accent1"/>
+              </a:solidFill>
+            </a:ln>
+          </p:spPr>
+        </p:pic>
+        <p:pic>
+          <p:nvPicPr>
+            <p:cNvPr id="8" name="Picture 7"/>
+            <p:cNvPicPr>
+              <a:picLocks noChangeAspect="1"/>
+            </p:cNvPicPr>
+            <p:nvPr/>
+          </p:nvPicPr>
+          <p:blipFill>
+            <a:blip r:embed="rId6">
+              <a:extLst>
+                <a:ext uri="{28A0092B-C50C-407E-A947-70E740481C1C}">
+                  <a14:useLocalDpi xmlns:a14="http://schemas.microsoft.com/office/drawing/2010/main" val="0"/>
+                </a:ext>
+              </a:extLst>
+            </a:blip>
+            <a:stretch>
+              <a:fillRect/>
+            </a:stretch>
+          </p:blipFill>
+          <p:spPr>
+            <a:xfrm>
+              <a:off x="2973572" y="5981122"/>
+              <a:ext cx="2799854" cy="2842491"/>
+            </a:xfrm>
+            <a:prstGeom prst="rect">
+              <a:avLst/>
+            </a:prstGeom>
+            <a:ln>
+              <a:solidFill>
+                <a:schemeClr val="accent1"/>
+              </a:solidFill>
+            </a:ln>
+          </p:spPr>
+        </p:pic>
+        <p:pic>
+          <p:nvPicPr>
+            <p:cNvPr id="9" name="Picture 8"/>
+            <p:cNvPicPr>
+              <a:picLocks noChangeAspect="1"/>
+            </p:cNvPicPr>
+            <p:nvPr/>
+          </p:nvPicPr>
+          <p:blipFill>
+            <a:blip r:embed="rId7">
+              <a:extLst>
+                <a:ext uri="{28A0092B-C50C-407E-A947-70E740481C1C}">
+                  <a14:useLocalDpi xmlns:a14="http://schemas.microsoft.com/office/drawing/2010/main" val="0"/>
+                </a:ext>
+              </a:extLst>
+            </a:blip>
+            <a:stretch>
+              <a:fillRect/>
+            </a:stretch>
+          </p:blipFill>
+          <p:spPr>
+            <a:xfrm>
+              <a:off x="5773426" y="5981121"/>
+              <a:ext cx="2799854" cy="2842491"/>
+            </a:xfrm>
+            <a:prstGeom prst="rect">
+              <a:avLst/>
+            </a:prstGeom>
+            <a:ln>
+              <a:solidFill>
+                <a:schemeClr val="accent1"/>
+              </a:solidFill>
+            </a:ln>
+          </p:spPr>
+        </p:pic>
+        <p:pic>
+          <p:nvPicPr>
+            <p:cNvPr id="10" name="Picture 9"/>
+            <p:cNvPicPr>
+              <a:picLocks noChangeAspect="1"/>
+            </p:cNvPicPr>
+            <p:nvPr/>
+          </p:nvPicPr>
+          <p:blipFill>
+            <a:blip r:embed="rId8">
+              <a:extLst>
+                <a:ext uri="{28A0092B-C50C-407E-A947-70E740481C1C}">
+                  <a14:useLocalDpi xmlns:a14="http://schemas.microsoft.com/office/drawing/2010/main" val="0"/>
+                </a:ext>
+              </a:extLst>
+            </a:blip>
+            <a:stretch>
+              <a:fillRect/>
+            </a:stretch>
+          </p:blipFill>
+          <p:spPr>
+            <a:xfrm>
+              <a:off x="173718" y="8857672"/>
+              <a:ext cx="2799854" cy="2842491"/>
+            </a:xfrm>
+            <a:prstGeom prst="rect">
+              <a:avLst/>
+            </a:prstGeom>
+            <a:ln>
+              <a:solidFill>
+                <a:schemeClr val="accent1"/>
+              </a:solidFill>
+            </a:ln>
+          </p:spPr>
+        </p:pic>
+        <p:pic>
+          <p:nvPicPr>
+            <p:cNvPr id="11" name="Picture 10"/>
+            <p:cNvPicPr>
+              <a:picLocks noChangeAspect="1"/>
+            </p:cNvPicPr>
+            <p:nvPr/>
+          </p:nvPicPr>
+          <p:blipFill>
+            <a:blip r:embed="rId9">
+              <a:extLst>
+                <a:ext uri="{28A0092B-C50C-407E-A947-70E740481C1C}">
+                  <a14:useLocalDpi xmlns:a14="http://schemas.microsoft.com/office/drawing/2010/main" val="0"/>
+                </a:ext>
+              </a:extLst>
+            </a:blip>
+            <a:stretch>
+              <a:fillRect/>
+            </a:stretch>
+          </p:blipFill>
+          <p:spPr>
+            <a:xfrm>
+              <a:off x="2973572" y="8857672"/>
+              <a:ext cx="2799854" cy="2842491"/>
+            </a:xfrm>
+            <a:prstGeom prst="rect">
+              <a:avLst/>
+            </a:prstGeom>
+            <a:ln>
+              <a:solidFill>
+                <a:schemeClr val="accent1"/>
+              </a:solidFill>
+            </a:ln>
+          </p:spPr>
+        </p:pic>
+        <p:pic>
+          <p:nvPicPr>
+            <p:cNvPr id="12" name="Picture 11"/>
+            <p:cNvPicPr>
+              <a:picLocks noChangeAspect="1"/>
+            </p:cNvPicPr>
+            <p:nvPr/>
+          </p:nvPicPr>
+          <p:blipFill>
+            <a:blip r:embed="rId10">
+              <a:extLst>
+                <a:ext uri="{28A0092B-C50C-407E-A947-70E740481C1C}">
+                  <a14:useLocalDpi xmlns:a14="http://schemas.microsoft.com/office/drawing/2010/main" val="0"/>
+                </a:ext>
+              </a:extLst>
+            </a:blip>
+            <a:stretch>
+              <a:fillRect/>
+            </a:stretch>
+          </p:blipFill>
+          <p:spPr>
+            <a:xfrm>
+              <a:off x="5773426" y="8857672"/>
+              <a:ext cx="2799854" cy="2842491"/>
+            </a:xfrm>
+            <a:prstGeom prst="rect">
+              <a:avLst/>
+            </a:prstGeom>
+            <a:ln>
+              <a:solidFill>
+                <a:schemeClr val="accent1"/>
+              </a:solidFill>
+            </a:ln>
+          </p:spPr>
+        </p:pic>
+      </p:grpSp>
+    </p:spTree>
+    <p:extLst>
+      <p:ext uri="{BB962C8B-B14F-4D97-AF65-F5344CB8AC3E}">
+        <p14:creationId xmlns:p14="http://schemas.microsoft.com/office/powerpoint/2010/main" val="535216154"/>
       </p:ext>
     </p:extLst>
   </p:cSld>
@@ -3120,75 +4540,18 @@
       </p:grpSpPr>
       <p:grpSp>
         <p:nvGrpSpPr>
-          <p:cNvPr id="16" name="Group 15"/>
+          <p:cNvPr id="18" name="Group 17"/>
           <p:cNvGrpSpPr/>
           <p:nvPr/>
         </p:nvGrpSpPr>
         <p:grpSpPr>
           <a:xfrm>
             <a:off x="1399032" y="1863434"/>
-            <a:ext cx="5859018" cy="8503806"/>
+            <a:ext cx="5478531" cy="8523479"/>
             <a:chOff x="1399032" y="1863434"/>
-            <a:chExt cx="5859018" cy="8503806"/>
+            <a:chExt cx="5478531" cy="8523479"/>
           </a:xfrm>
         </p:grpSpPr>
-        <p:graphicFrame>
-          <p:nvGraphicFramePr>
-            <p:cNvPr id="8" name="Object 7"/>
-            <p:cNvGraphicFramePr>
-              <a:graphicFrameLocks noChangeAspect="1"/>
-            </p:cNvGraphicFramePr>
-            <p:nvPr>
-              <p:extLst>
-                <p:ext uri="{D42A27DB-BD31-4B8C-83A1-F6EECF244321}">
-                  <p14:modId xmlns:p14="http://schemas.microsoft.com/office/powerpoint/2010/main" val="1900009642"/>
-                </p:ext>
-              </p:extLst>
-            </p:nvPr>
-          </p:nvGraphicFramePr>
-          <p:xfrm>
-            <a:off x="1828800" y="1866899"/>
-            <a:ext cx="5429250" cy="8500341"/>
-          </p:xfrm>
-          <a:graphic>
-            <a:graphicData uri="http://schemas.openxmlformats.org/presentationml/2006/ole">
-              <mc:AlternateContent xmlns:mc="http://schemas.openxmlformats.org/markup-compatibility/2006">
-                <mc:Choice xmlns:v="urn:schemas-microsoft-com:vml" Requires="v">
-                  <p:oleObj spid="_x0000_s2054" name="Worksheet" r:id="rId3" imgW="3771900" imgH="5905500" progId="Excel.Sheet.12">
-                    <p:embed/>
-                  </p:oleObj>
-                </mc:Choice>
-                <mc:Fallback>
-                  <p:oleObj name="Worksheet" r:id="rId3" imgW="3771900" imgH="5905500" progId="Excel.Sheet.12">
-                    <p:embed/>
-                    <p:pic>
-                      <p:nvPicPr>
-                        <p:cNvPr id="0" name=""/>
-                        <p:cNvPicPr/>
-                        <p:nvPr/>
-                      </p:nvPicPr>
-                      <p:blipFill>
-                        <a:blip r:embed="rId4"/>
-                        <a:stretch>
-                          <a:fillRect/>
-                        </a:stretch>
-                      </p:blipFill>
-                      <p:spPr>
-                        <a:xfrm>
-                          <a:off x="1828800" y="1866899"/>
-                          <a:ext cx="5429250" cy="8500341"/>
-                        </a:xfrm>
-                        <a:prstGeom prst="rect">
-                          <a:avLst/>
-                        </a:prstGeom>
-                      </p:spPr>
-                    </p:pic>
-                  </p:oleObj>
-                </mc:Fallback>
-              </mc:AlternateContent>
-            </a:graphicData>
-          </a:graphic>
-        </p:graphicFrame>
         <p:sp>
           <p:nvSpPr>
             <p:cNvPr id="10" name="TextBox 9"/>
@@ -3369,6 +4732,30 @@
             </a:p>
           </p:txBody>
         </p:sp>
+        <p:pic>
+          <p:nvPicPr>
+            <p:cNvPr id="17" name="Picture 16"/>
+            <p:cNvPicPr>
+              <a:picLocks noChangeAspect="1"/>
+            </p:cNvPicPr>
+            <p:nvPr/>
+          </p:nvPicPr>
+          <p:blipFill>
+            <a:blip r:embed="rId2"/>
+            <a:stretch>
+              <a:fillRect/>
+            </a:stretch>
+          </p:blipFill>
+          <p:spPr>
+            <a:xfrm>
+              <a:off x="1837944" y="1865376"/>
+              <a:ext cx="5039619" cy="8521537"/>
+            </a:xfrm>
+            <a:prstGeom prst="rect">
+              <a:avLst/>
+            </a:prstGeom>
+          </p:spPr>
+        </p:pic>
       </p:grpSp>
     </p:spTree>
     <p:extLst>
@@ -3961,18 +5348,48 @@
       </p:grpSpPr>
       <p:grpSp>
         <p:nvGrpSpPr>
-          <p:cNvPr id="8" name="Group 7"/>
+          <p:cNvPr id="12" name="Group 11"/>
           <p:cNvGrpSpPr/>
           <p:nvPr/>
         </p:nvGrpSpPr>
         <p:grpSpPr>
           <a:xfrm>
-            <a:off x="396033" y="3779417"/>
-            <a:ext cx="8275072" cy="4748763"/>
-            <a:chOff x="396033" y="3779417"/>
-            <a:chExt cx="8275072" cy="4748763"/>
+            <a:off x="396033" y="3779416"/>
+            <a:ext cx="8275072" cy="4748764"/>
+            <a:chOff x="396033" y="3779416"/>
+            <a:chExt cx="8275072" cy="4748764"/>
           </a:xfrm>
         </p:grpSpPr>
+        <p:pic>
+          <p:nvPicPr>
+            <p:cNvPr id="11" name="Picture 10"/>
+            <p:cNvPicPr>
+              <a:picLocks noChangeAspect="1"/>
+            </p:cNvPicPr>
+            <p:nvPr/>
+          </p:nvPicPr>
+          <p:blipFill>
+            <a:blip r:embed="rId2">
+              <a:extLst>
+                <a:ext uri="{28A0092B-C50C-407E-A947-70E740481C1C}">
+                  <a14:useLocalDpi xmlns:a14="http://schemas.microsoft.com/office/drawing/2010/main" val="0"/>
+                </a:ext>
+              </a:extLst>
+            </a:blip>
+            <a:stretch>
+              <a:fillRect/>
+            </a:stretch>
+          </p:blipFill>
+          <p:spPr>
+            <a:xfrm>
+              <a:off x="4533569" y="3779416"/>
+              <a:ext cx="4137536" cy="4748763"/>
+            </a:xfrm>
+            <a:prstGeom prst="rect">
+              <a:avLst/>
+            </a:prstGeom>
+          </p:spPr>
+        </p:pic>
         <p:pic>
           <p:nvPicPr>
             <p:cNvPr id="4" name="Picture 3"/>
@@ -3982,7 +5399,7 @@
             <p:nvPr/>
           </p:nvPicPr>
           <p:blipFill>
-            <a:blip r:embed="rId2">
+            <a:blip r:embed="rId3">
               <a:extLst>
                 <a:ext uri="{28A0092B-C50C-407E-A947-70E740481C1C}">
                   <a14:useLocalDpi xmlns:a14="http://schemas.microsoft.com/office/drawing/2010/main" val="0"/>
@@ -4006,39 +5423,6 @@
             </a:ln>
           </p:spPr>
         </p:pic>
-        <p:pic>
-          <p:nvPicPr>
-            <p:cNvPr id="5" name="Picture 4"/>
-            <p:cNvPicPr>
-              <a:picLocks noChangeAspect="1"/>
-            </p:cNvPicPr>
-            <p:nvPr/>
-          </p:nvPicPr>
-          <p:blipFill>
-            <a:blip r:embed="rId3">
-              <a:extLst>
-                <a:ext uri="{28A0092B-C50C-407E-A947-70E740481C1C}">
-                  <a14:useLocalDpi xmlns:a14="http://schemas.microsoft.com/office/drawing/2010/main" val="0"/>
-                </a:ext>
-              </a:extLst>
-            </a:blip>
-            <a:stretch>
-              <a:fillRect/>
-            </a:stretch>
-          </p:blipFill>
-          <p:spPr>
-            <a:xfrm>
-              <a:off x="4533569" y="3779417"/>
-              <a:ext cx="4137536" cy="4748763"/>
-            </a:xfrm>
-            <a:prstGeom prst="rect">
-              <a:avLst/>
-            </a:prstGeom>
-            <a:ln>
-              <a:noFill/>
-            </a:ln>
-          </p:spPr>
-        </p:pic>
         <p:sp>
           <p:nvSpPr>
             <p:cNvPr id="6" name="TextBox 5"/>
@@ -4048,7 +5432,7 @@
           <p:spPr>
             <a:xfrm>
               <a:off x="396033" y="3779417"/>
-              <a:ext cx="324128" cy="369332"/>
+              <a:ext cx="293670" cy="307777"/>
             </a:xfrm>
             <a:prstGeom prst="rect">
               <a:avLst/>
@@ -4062,10 +5446,10 @@
             <a:lstStyle/>
             <a:p>
               <a:r>
-                <a:rPr lang="en-US" b="1" dirty="0" smtClean="0"/>
+                <a:rPr lang="en-US" sz="1400" b="1" dirty="0" smtClean="0"/>
                 <a:t>A</a:t>
               </a:r>
-              <a:endParaRPr lang="en-US" b="1" dirty="0"/>
+              <a:endParaRPr lang="en-US" sz="1400" b="1" dirty="0"/>
             </a:p>
           </p:txBody>
         </p:sp>
@@ -4078,7 +5462,7 @@
           <p:spPr>
             <a:xfrm>
               <a:off x="4515575" y="3779417"/>
-              <a:ext cx="314510" cy="369332"/>
+              <a:ext cx="285656" cy="307777"/>
             </a:xfrm>
             <a:prstGeom prst="rect">
               <a:avLst/>
@@ -4092,10 +5476,10 @@
             <a:lstStyle/>
             <a:p>
               <a:r>
-                <a:rPr lang="en-US" b="1" dirty="0"/>
+                <a:rPr lang="en-US" sz="1400" b="1" dirty="0"/>
                 <a:t>B</a:t>
               </a:r>
-              <a:endParaRPr lang="en-US" b="1" dirty="0"/>
+              <a:endParaRPr lang="en-US" sz="1400" b="1" dirty="0"/>
             </a:p>
           </p:txBody>
         </p:sp>
